--- a/revised-ppts/Day 9 PPT.pptx
+++ b/revised-ppts/Day 9 PPT.pptx
@@ -399,43 +399,156 @@
 <file path=ppt/changesInfos/changesInfo1.xml><?xml version="1.0" encoding="utf-8"?>
 <pc:chgInfo xmlns:a="http://schemas.openxmlformats.org/drawingml/2006/main" xmlns:r="http://schemas.openxmlformats.org/officeDocument/2006/relationships" xmlns:ac="http://schemas.microsoft.com/office/drawing/2013/main/command" xmlns:pc="http://schemas.microsoft.com/office/powerpoint/2013/main/command">
   <pc:docChgLst>
-    <pc:chgData name="Cynthia Enciso" userId="7915927f-c5cf-4e1f-876d-e79882ad52fa" providerId="ADAL" clId="{0CE2D9B1-3309-4CA9-962C-A8B857A3418D}"/>
-    <pc:docChg chg="custSel modSld">
-      <pc:chgData name="Cynthia Enciso" userId="7915927f-c5cf-4e1f-876d-e79882ad52fa" providerId="ADAL" clId="{0CE2D9B1-3309-4CA9-962C-A8B857A3418D}" dt="2021-11-30T20:27:11.346" v="22" actId="207"/>
+    <pc:chgData name="Cynthia Enciso" userId="7915927f-c5cf-4e1f-876d-e79882ad52fa" providerId="ADAL" clId="{8559A80B-B25A-4E01-AA5F-31128C7F1561}"/>
+    <pc:docChg chg="undo custSel addSld delSld modSld sldOrd">
+      <pc:chgData name="Cynthia Enciso" userId="7915927f-c5cf-4e1f-876d-e79882ad52fa" providerId="ADAL" clId="{8559A80B-B25A-4E01-AA5F-31128C7F1561}" dt="2021-05-03T20:19:04.101" v="481"/>
       <pc:docMkLst>
         <pc:docMk/>
       </pc:docMkLst>
-      <pc:sldChg chg="modSp mod modClrScheme chgLayout">
-        <pc:chgData name="Cynthia Enciso" userId="7915927f-c5cf-4e1f-876d-e79882ad52fa" providerId="ADAL" clId="{0CE2D9B1-3309-4CA9-962C-A8B857A3418D}" dt="2021-11-30T20:27:11.346" v="22" actId="207"/>
+      <pc:sldChg chg="ord">
+        <pc:chgData name="Cynthia Enciso" userId="7915927f-c5cf-4e1f-876d-e79882ad52fa" providerId="ADAL" clId="{8559A80B-B25A-4E01-AA5F-31128C7F1561}" dt="2021-05-03T19:51:43.980" v="473"/>
         <pc:sldMkLst>
           <pc:docMk/>
-          <pc:sldMk cId="0" sldId="257"/>
+          <pc:sldMk cId="0" sldId="259"/>
         </pc:sldMkLst>
-        <pc:spChg chg="mod ord">
-          <ac:chgData name="Cynthia Enciso" userId="7915927f-c5cf-4e1f-876d-e79882ad52fa" providerId="ADAL" clId="{0CE2D9B1-3309-4CA9-962C-A8B857A3418D}" dt="2021-11-30T20:27:11.346" v="22" actId="207"/>
+      </pc:sldChg>
+      <pc:sldChg chg="ord">
+        <pc:chgData name="Cynthia Enciso" userId="7915927f-c5cf-4e1f-876d-e79882ad52fa" providerId="ADAL" clId="{8559A80B-B25A-4E01-AA5F-31128C7F1561}" dt="2021-05-03T16:58:15.659" v="2"/>
+        <pc:sldMkLst>
+          <pc:docMk/>
+          <pc:sldMk cId="0" sldId="260"/>
+        </pc:sldMkLst>
+      </pc:sldChg>
+      <pc:sldChg chg="modSp mod modAnim">
+        <pc:chgData name="Cynthia Enciso" userId="7915927f-c5cf-4e1f-876d-e79882ad52fa" providerId="ADAL" clId="{8559A80B-B25A-4E01-AA5F-31128C7F1561}" dt="2021-05-03T17:14:06.406" v="467" actId="20577"/>
+        <pc:sldMkLst>
+          <pc:docMk/>
+          <pc:sldMk cId="0" sldId="261"/>
+        </pc:sldMkLst>
+        <pc:spChg chg="mod">
+          <ac:chgData name="Cynthia Enciso" userId="7915927f-c5cf-4e1f-876d-e79882ad52fa" providerId="ADAL" clId="{8559A80B-B25A-4E01-AA5F-31128C7F1561}" dt="2021-05-03T17:12:32.827" v="27" actId="20577"/>
           <ac:spMkLst>
             <pc:docMk/>
-            <pc:sldMk cId="0" sldId="257"/>
-            <ac:spMk id="218" creationId="{00000000-0000-0000-0000-000000000000}"/>
+            <pc:sldMk cId="0" sldId="261"/>
+            <ac:spMk id="246" creationId="{00000000-0000-0000-0000-000000000000}"/>
           </ac:spMkLst>
         </pc:spChg>
-        <pc:spChg chg="mod ord">
-          <ac:chgData name="Cynthia Enciso" userId="7915927f-c5cf-4e1f-876d-e79882ad52fa" providerId="ADAL" clId="{0CE2D9B1-3309-4CA9-962C-A8B857A3418D}" dt="2021-11-30T20:26:48.214" v="0" actId="700"/>
+        <pc:spChg chg="mod">
+          <ac:chgData name="Cynthia Enciso" userId="7915927f-c5cf-4e1f-876d-e79882ad52fa" providerId="ADAL" clId="{8559A80B-B25A-4E01-AA5F-31128C7F1561}" dt="2021-05-03T17:14:06.406" v="467" actId="20577"/>
           <ac:spMkLst>
             <pc:docMk/>
-            <pc:sldMk cId="0" sldId="257"/>
-            <ac:spMk id="219" creationId="{00000000-0000-0000-0000-000000000000}"/>
-          </ac:spMkLst>
-        </pc:spChg>
-        <pc:spChg chg="mod ord">
-          <ac:chgData name="Cynthia Enciso" userId="7915927f-c5cf-4e1f-876d-e79882ad52fa" providerId="ADAL" clId="{0CE2D9B1-3309-4CA9-962C-A8B857A3418D}" dt="2021-11-30T20:26:48.214" v="0" actId="700"/>
-          <ac:spMkLst>
-            <pc:docMk/>
-            <pc:sldMk cId="0" sldId="257"/>
-            <ac:spMk id="220" creationId="{00000000-0000-0000-0000-000000000000}"/>
+            <pc:sldMk cId="0" sldId="261"/>
+            <ac:spMk id="247" creationId="{00000000-0000-0000-0000-000000000000}"/>
           </ac:spMkLst>
         </pc:spChg>
       </pc:sldChg>
+      <pc:sldChg chg="del">
+        <pc:chgData name="Cynthia Enciso" userId="7915927f-c5cf-4e1f-876d-e79882ad52fa" providerId="ADAL" clId="{8559A80B-B25A-4E01-AA5F-31128C7F1561}" dt="2021-05-03T17:22:03.161" v="471" actId="47"/>
+        <pc:sldMkLst>
+          <pc:docMk/>
+          <pc:sldMk cId="0" sldId="263"/>
+        </pc:sldMkLst>
+      </pc:sldChg>
+      <pc:sldChg chg="del">
+        <pc:chgData name="Cynthia Enciso" userId="7915927f-c5cf-4e1f-876d-e79882ad52fa" providerId="ADAL" clId="{8559A80B-B25A-4E01-AA5F-31128C7F1561}" dt="2021-05-03T17:21:46.497" v="470" actId="47"/>
+        <pc:sldMkLst>
+          <pc:docMk/>
+          <pc:sldMk cId="0" sldId="265"/>
+        </pc:sldMkLst>
+      </pc:sldChg>
+      <pc:sldChg chg="ord">
+        <pc:chgData name="Cynthia Enciso" userId="7915927f-c5cf-4e1f-876d-e79882ad52fa" providerId="ADAL" clId="{8559A80B-B25A-4E01-AA5F-31128C7F1561}" dt="2021-05-03T20:19:04.101" v="481"/>
+        <pc:sldMkLst>
+          <pc:docMk/>
+          <pc:sldMk cId="0" sldId="268"/>
+        </pc:sldMkLst>
+      </pc:sldChg>
+      <pc:sldChg chg="del">
+        <pc:chgData name="Cynthia Enciso" userId="7915927f-c5cf-4e1f-876d-e79882ad52fa" providerId="ADAL" clId="{8559A80B-B25A-4E01-AA5F-31128C7F1561}" dt="2021-05-03T17:21:39.174" v="468" actId="47"/>
+        <pc:sldMkLst>
+          <pc:docMk/>
+          <pc:sldMk cId="0" sldId="269"/>
+        </pc:sldMkLst>
+      </pc:sldChg>
+      <pc:sldChg chg="delSp mod">
+        <pc:chgData name="Cynthia Enciso" userId="7915927f-c5cf-4e1f-876d-e79882ad52fa" providerId="ADAL" clId="{8559A80B-B25A-4E01-AA5F-31128C7F1561}" dt="2021-05-03T16:19:09.600" v="0" actId="478"/>
+        <pc:sldMkLst>
+          <pc:docMk/>
+          <pc:sldMk cId="0" sldId="270"/>
+        </pc:sldMkLst>
+        <pc:spChg chg="del">
+          <ac:chgData name="Cynthia Enciso" userId="7915927f-c5cf-4e1f-876d-e79882ad52fa" providerId="ADAL" clId="{8559A80B-B25A-4E01-AA5F-31128C7F1561}" dt="2021-05-03T16:19:09.600" v="0" actId="478"/>
+          <ac:spMkLst>
+            <pc:docMk/>
+            <pc:sldMk cId="0" sldId="270"/>
+            <ac:spMk id="311" creationId="{00000000-0000-0000-0000-000000000000}"/>
+          </ac:spMkLst>
+        </pc:spChg>
+      </pc:sldChg>
+      <pc:sldChg chg="del">
+        <pc:chgData name="Cynthia Enciso" userId="7915927f-c5cf-4e1f-876d-e79882ad52fa" providerId="ADAL" clId="{8559A80B-B25A-4E01-AA5F-31128C7F1561}" dt="2021-05-03T17:21:43.634" v="469" actId="47"/>
+        <pc:sldMkLst>
+          <pc:docMk/>
+          <pc:sldMk cId="2549791720" sldId="277"/>
+        </pc:sldMkLst>
+      </pc:sldChg>
+      <pc:sldChg chg="del">
+        <pc:chgData name="Cynthia Enciso" userId="7915927f-c5cf-4e1f-876d-e79882ad52fa" providerId="ADAL" clId="{8559A80B-B25A-4E01-AA5F-31128C7F1561}" dt="2021-05-03T17:21:43.634" v="469" actId="47"/>
+        <pc:sldMkLst>
+          <pc:docMk/>
+          <pc:sldMk cId="2642164239" sldId="278"/>
+        </pc:sldMkLst>
+      </pc:sldChg>
+      <pc:sldChg chg="add">
+        <pc:chgData name="Cynthia Enciso" userId="7915927f-c5cf-4e1f-876d-e79882ad52fa" providerId="ADAL" clId="{8559A80B-B25A-4E01-AA5F-31128C7F1561}" dt="2021-05-03T17:11:14.764" v="3"/>
+        <pc:sldMkLst>
+          <pc:docMk/>
+          <pc:sldMk cId="0" sldId="280"/>
+        </pc:sldMkLst>
+      </pc:sldChg>
+      <pc:sldChg chg="add del">
+        <pc:chgData name="Cynthia Enciso" userId="7915927f-c5cf-4e1f-876d-e79882ad52fa" providerId="ADAL" clId="{8559A80B-B25A-4E01-AA5F-31128C7F1561}" dt="2021-05-03T17:11:36.844" v="6" actId="47"/>
+        <pc:sldMkLst>
+          <pc:docMk/>
+          <pc:sldMk cId="1867061762" sldId="281"/>
+        </pc:sldMkLst>
+      </pc:sldChg>
+      <pc:sldChg chg="add del">
+        <pc:chgData name="Cynthia Enciso" userId="7915927f-c5cf-4e1f-876d-e79882ad52fa" providerId="ADAL" clId="{8559A80B-B25A-4E01-AA5F-31128C7F1561}" dt="2021-05-03T17:11:36.844" v="6" actId="47"/>
+        <pc:sldMkLst>
+          <pc:docMk/>
+          <pc:sldMk cId="3470556626" sldId="282"/>
+        </pc:sldMkLst>
+      </pc:sldChg>
+      <pc:sldChg chg="add">
+        <pc:chgData name="Cynthia Enciso" userId="7915927f-c5cf-4e1f-876d-e79882ad52fa" providerId="ADAL" clId="{8559A80B-B25A-4E01-AA5F-31128C7F1561}" dt="2021-05-03T20:17:37.838" v="476"/>
+        <pc:sldMkLst>
+          <pc:docMk/>
+          <pc:sldMk cId="2320720555" sldId="283"/>
+        </pc:sldMkLst>
+      </pc:sldChg>
+      <pc:sldChg chg="add">
+        <pc:chgData name="Cynthia Enciso" userId="7915927f-c5cf-4e1f-876d-e79882ad52fa" providerId="ADAL" clId="{8559A80B-B25A-4E01-AA5F-31128C7F1561}" dt="2021-05-03T20:18:30.749" v="477"/>
+        <pc:sldMkLst>
+          <pc:docMk/>
+          <pc:sldMk cId="1104934171" sldId="284"/>
+        </pc:sldMkLst>
+      </pc:sldChg>
+      <pc:sldMasterChg chg="addSldLayout delSldLayout">
+        <pc:chgData name="Cynthia Enciso" userId="7915927f-c5cf-4e1f-876d-e79882ad52fa" providerId="ADAL" clId="{8559A80B-B25A-4E01-AA5F-31128C7F1561}" dt="2021-05-03T17:11:36.844" v="6" actId="47"/>
+        <pc:sldMasterMkLst>
+          <pc:docMk/>
+          <pc:sldMasterMk cId="0" sldId="2147483661"/>
+        </pc:sldMasterMkLst>
+        <pc:sldLayoutChg chg="add del">
+          <pc:chgData name="Cynthia Enciso" userId="7915927f-c5cf-4e1f-876d-e79882ad52fa" providerId="ADAL" clId="{8559A80B-B25A-4E01-AA5F-31128C7F1561}" dt="2021-05-03T17:11:36.844" v="6" actId="47"/>
+          <pc:sldLayoutMkLst>
+            <pc:docMk/>
+            <pc:sldMasterMk cId="0" sldId="2147483661"/>
+            <pc:sldLayoutMk cId="0" sldId="2147483655"/>
+          </pc:sldLayoutMkLst>
+        </pc:sldLayoutChg>
+      </pc:sldMasterChg>
     </pc:docChg>
   </pc:docChgLst>
   <pc:docChgLst>
@@ -643,32 +756,31 @@
     </pc:docChg>
   </pc:docChgLst>
   <pc:docChgLst>
-    <pc:chgData name="Cynthia Enciso" userId="7915927f-c5cf-4e1f-876d-e79882ad52fa" providerId="ADAL" clId="{68195499-6953-4BC3-96C2-3B7A7436D3EB}"/>
-    <pc:docChg chg="delSld modSld">
-      <pc:chgData name="Cynthia Enciso" userId="7915927f-c5cf-4e1f-876d-e79882ad52fa" providerId="ADAL" clId="{68195499-6953-4BC3-96C2-3B7A7436D3EB}" dt="2021-12-01T23:55:09.946" v="2" actId="20577"/>
+    <pc:chgData name="Bryn Portella" userId="S::bryn.portella@revature.com::cac9ba8b-dbd7-41cd-af06-e643c8802b55" providerId="AD" clId="Web-{D6C9B59F-001F-B000-D000-413771C9E9BA}"/>
+    <pc:docChg chg="addSld delSld">
+      <pc:chgData name="Bryn Portella" userId="S::bryn.portella@revature.com::cac9ba8b-dbd7-41cd-af06-e643c8802b55" providerId="AD" clId="Web-{D6C9B59F-001F-B000-D000-413771C9E9BA}" dt="2021-03-19T12:27:07.943" v="5"/>
       <pc:docMkLst>
         <pc:docMk/>
       </pc:docMkLst>
-      <pc:sldChg chg="modSp mod">
-        <pc:chgData name="Cynthia Enciso" userId="7915927f-c5cf-4e1f-876d-e79882ad52fa" providerId="ADAL" clId="{68195499-6953-4BC3-96C2-3B7A7436D3EB}" dt="2021-12-01T23:55:09.946" v="2" actId="20577"/>
+      <pc:sldChg chg="add del">
+        <pc:chgData name="Bryn Portella" userId="S::bryn.portella@revature.com::cac9ba8b-dbd7-41cd-af06-e643c8802b55" providerId="AD" clId="Web-{D6C9B59F-001F-B000-D000-413771C9E9BA}" dt="2021-03-19T12:27:07.818" v="3"/>
         <pc:sldMkLst>
           <pc:docMk/>
-          <pc:sldMk cId="1018033801" sldId="297"/>
+          <pc:sldMk cId="0" sldId="265"/>
         </pc:sldMkLst>
-        <pc:spChg chg="mod">
-          <ac:chgData name="Cynthia Enciso" userId="7915927f-c5cf-4e1f-876d-e79882ad52fa" providerId="ADAL" clId="{68195499-6953-4BC3-96C2-3B7A7436D3EB}" dt="2021-12-01T23:55:09.946" v="2" actId="20577"/>
-          <ac:spMkLst>
-            <pc:docMk/>
-            <pc:sldMk cId="1018033801" sldId="297"/>
-            <ac:spMk id="3" creationId="{81FB4101-0567-48E3-BC51-066494A620AB}"/>
-          </ac:spMkLst>
-        </pc:spChg>
       </pc:sldChg>
-      <pc:sldChg chg="del">
-        <pc:chgData name="Cynthia Enciso" userId="7915927f-c5cf-4e1f-876d-e79882ad52fa" providerId="ADAL" clId="{68195499-6953-4BC3-96C2-3B7A7436D3EB}" dt="2021-12-01T16:49:46.547" v="0" actId="47"/>
+      <pc:sldChg chg="add del">
+        <pc:chgData name="Bryn Portella" userId="S::bryn.portella@revature.com::cac9ba8b-dbd7-41cd-af06-e643c8802b55" providerId="AD" clId="Web-{D6C9B59F-001F-B000-D000-413771C9E9BA}" dt="2021-03-19T12:27:07.943" v="5"/>
         <pc:sldMkLst>
           <pc:docMk/>
-          <pc:sldMk cId="2029951277" sldId="301"/>
+          <pc:sldMk cId="0" sldId="269"/>
+        </pc:sldMkLst>
+      </pc:sldChg>
+      <pc:sldChg chg="add del">
+        <pc:chgData name="Bryn Portella" userId="S::bryn.portella@revature.com::cac9ba8b-dbd7-41cd-af06-e643c8802b55" providerId="AD" clId="Web-{D6C9B59F-001F-B000-D000-413771C9E9BA}" dt="2021-03-19T12:27:07.880" v="4"/>
+        <pc:sldMkLst>
+          <pc:docMk/>
+          <pc:sldMk cId="2549791720" sldId="277"/>
         </pc:sldMkLst>
       </pc:sldChg>
     </pc:docChg>
@@ -2294,186 +2406,74 @@
     </pc:docChg>
   </pc:docChgLst>
   <pc:docChgLst>
-    <pc:chgData name="Bryn Portella" userId="S::bryn.portella@revature.com::cac9ba8b-dbd7-41cd-af06-e643c8802b55" providerId="AD" clId="Web-{D6C9B59F-001F-B000-D000-413771C9E9BA}"/>
-    <pc:docChg chg="addSld delSld">
-      <pc:chgData name="Bryn Portella" userId="S::bryn.portella@revature.com::cac9ba8b-dbd7-41cd-af06-e643c8802b55" providerId="AD" clId="Web-{D6C9B59F-001F-B000-D000-413771C9E9BA}" dt="2021-03-19T12:27:07.943" v="5"/>
+    <pc:chgData name="Cynthia Enciso" userId="7915927f-c5cf-4e1f-876d-e79882ad52fa" providerId="ADAL" clId="{0CE2D9B1-3309-4CA9-962C-A8B857A3418D}"/>
+    <pc:docChg chg="custSel modSld">
+      <pc:chgData name="Cynthia Enciso" userId="7915927f-c5cf-4e1f-876d-e79882ad52fa" providerId="ADAL" clId="{0CE2D9B1-3309-4CA9-962C-A8B857A3418D}" dt="2021-11-30T20:27:11.346" v="22" actId="207"/>
       <pc:docMkLst>
         <pc:docMk/>
       </pc:docMkLst>
-      <pc:sldChg chg="add del">
-        <pc:chgData name="Bryn Portella" userId="S::bryn.portella@revature.com::cac9ba8b-dbd7-41cd-af06-e643c8802b55" providerId="AD" clId="Web-{D6C9B59F-001F-B000-D000-413771C9E9BA}" dt="2021-03-19T12:27:07.818" v="3"/>
+      <pc:sldChg chg="modSp mod modClrScheme chgLayout">
+        <pc:chgData name="Cynthia Enciso" userId="7915927f-c5cf-4e1f-876d-e79882ad52fa" providerId="ADAL" clId="{0CE2D9B1-3309-4CA9-962C-A8B857A3418D}" dt="2021-11-30T20:27:11.346" v="22" actId="207"/>
         <pc:sldMkLst>
           <pc:docMk/>
-          <pc:sldMk cId="0" sldId="265"/>
+          <pc:sldMk cId="0" sldId="257"/>
         </pc:sldMkLst>
-      </pc:sldChg>
-      <pc:sldChg chg="add del">
-        <pc:chgData name="Bryn Portella" userId="S::bryn.portella@revature.com::cac9ba8b-dbd7-41cd-af06-e643c8802b55" providerId="AD" clId="Web-{D6C9B59F-001F-B000-D000-413771C9E9BA}" dt="2021-03-19T12:27:07.943" v="5"/>
-        <pc:sldMkLst>
-          <pc:docMk/>
-          <pc:sldMk cId="0" sldId="269"/>
-        </pc:sldMkLst>
-      </pc:sldChg>
-      <pc:sldChg chg="add del">
-        <pc:chgData name="Bryn Portella" userId="S::bryn.portella@revature.com::cac9ba8b-dbd7-41cd-af06-e643c8802b55" providerId="AD" clId="Web-{D6C9B59F-001F-B000-D000-413771C9E9BA}" dt="2021-03-19T12:27:07.880" v="4"/>
-        <pc:sldMkLst>
-          <pc:docMk/>
-          <pc:sldMk cId="2549791720" sldId="277"/>
-        </pc:sldMkLst>
+        <pc:spChg chg="mod ord">
+          <ac:chgData name="Cynthia Enciso" userId="7915927f-c5cf-4e1f-876d-e79882ad52fa" providerId="ADAL" clId="{0CE2D9B1-3309-4CA9-962C-A8B857A3418D}" dt="2021-11-30T20:27:11.346" v="22" actId="207"/>
+          <ac:spMkLst>
+            <pc:docMk/>
+            <pc:sldMk cId="0" sldId="257"/>
+            <ac:spMk id="218" creationId="{00000000-0000-0000-0000-000000000000}"/>
+          </ac:spMkLst>
+        </pc:spChg>
+        <pc:spChg chg="mod ord">
+          <ac:chgData name="Cynthia Enciso" userId="7915927f-c5cf-4e1f-876d-e79882ad52fa" providerId="ADAL" clId="{0CE2D9B1-3309-4CA9-962C-A8B857A3418D}" dt="2021-11-30T20:26:48.214" v="0" actId="700"/>
+          <ac:spMkLst>
+            <pc:docMk/>
+            <pc:sldMk cId="0" sldId="257"/>
+            <ac:spMk id="219" creationId="{00000000-0000-0000-0000-000000000000}"/>
+          </ac:spMkLst>
+        </pc:spChg>
+        <pc:spChg chg="mod ord">
+          <ac:chgData name="Cynthia Enciso" userId="7915927f-c5cf-4e1f-876d-e79882ad52fa" providerId="ADAL" clId="{0CE2D9B1-3309-4CA9-962C-A8B857A3418D}" dt="2021-11-30T20:26:48.214" v="0" actId="700"/>
+          <ac:spMkLst>
+            <pc:docMk/>
+            <pc:sldMk cId="0" sldId="257"/>
+            <ac:spMk id="220" creationId="{00000000-0000-0000-0000-000000000000}"/>
+          </ac:spMkLst>
+        </pc:spChg>
       </pc:sldChg>
     </pc:docChg>
   </pc:docChgLst>
   <pc:docChgLst>
-    <pc:chgData name="Cynthia Enciso" userId="7915927f-c5cf-4e1f-876d-e79882ad52fa" providerId="ADAL" clId="{8559A80B-B25A-4E01-AA5F-31128C7F1561}"/>
-    <pc:docChg chg="undo custSel addSld delSld modSld sldOrd">
-      <pc:chgData name="Cynthia Enciso" userId="7915927f-c5cf-4e1f-876d-e79882ad52fa" providerId="ADAL" clId="{8559A80B-B25A-4E01-AA5F-31128C7F1561}" dt="2021-05-03T20:19:04.101" v="481"/>
+    <pc:chgData name="Cynthia Enciso" userId="7915927f-c5cf-4e1f-876d-e79882ad52fa" providerId="ADAL" clId="{68195499-6953-4BC3-96C2-3B7A7436D3EB}"/>
+    <pc:docChg chg="delSld modSld">
+      <pc:chgData name="Cynthia Enciso" userId="7915927f-c5cf-4e1f-876d-e79882ad52fa" providerId="ADAL" clId="{68195499-6953-4BC3-96C2-3B7A7436D3EB}" dt="2021-12-01T23:55:09.946" v="2" actId="20577"/>
       <pc:docMkLst>
         <pc:docMk/>
       </pc:docMkLst>
-      <pc:sldChg chg="ord">
-        <pc:chgData name="Cynthia Enciso" userId="7915927f-c5cf-4e1f-876d-e79882ad52fa" providerId="ADAL" clId="{8559A80B-B25A-4E01-AA5F-31128C7F1561}" dt="2021-05-03T19:51:43.980" v="473"/>
+      <pc:sldChg chg="modSp mod">
+        <pc:chgData name="Cynthia Enciso" userId="7915927f-c5cf-4e1f-876d-e79882ad52fa" providerId="ADAL" clId="{68195499-6953-4BC3-96C2-3B7A7436D3EB}" dt="2021-12-01T23:55:09.946" v="2" actId="20577"/>
         <pc:sldMkLst>
           <pc:docMk/>
-          <pc:sldMk cId="0" sldId="259"/>
-        </pc:sldMkLst>
-      </pc:sldChg>
-      <pc:sldChg chg="ord">
-        <pc:chgData name="Cynthia Enciso" userId="7915927f-c5cf-4e1f-876d-e79882ad52fa" providerId="ADAL" clId="{8559A80B-B25A-4E01-AA5F-31128C7F1561}" dt="2021-05-03T16:58:15.659" v="2"/>
-        <pc:sldMkLst>
-          <pc:docMk/>
-          <pc:sldMk cId="0" sldId="260"/>
-        </pc:sldMkLst>
-      </pc:sldChg>
-      <pc:sldChg chg="modSp mod modAnim">
-        <pc:chgData name="Cynthia Enciso" userId="7915927f-c5cf-4e1f-876d-e79882ad52fa" providerId="ADAL" clId="{8559A80B-B25A-4E01-AA5F-31128C7F1561}" dt="2021-05-03T17:14:06.406" v="467" actId="20577"/>
-        <pc:sldMkLst>
-          <pc:docMk/>
-          <pc:sldMk cId="0" sldId="261"/>
+          <pc:sldMk cId="1018033801" sldId="297"/>
         </pc:sldMkLst>
         <pc:spChg chg="mod">
-          <ac:chgData name="Cynthia Enciso" userId="7915927f-c5cf-4e1f-876d-e79882ad52fa" providerId="ADAL" clId="{8559A80B-B25A-4E01-AA5F-31128C7F1561}" dt="2021-05-03T17:12:32.827" v="27" actId="20577"/>
+          <ac:chgData name="Cynthia Enciso" userId="7915927f-c5cf-4e1f-876d-e79882ad52fa" providerId="ADAL" clId="{68195499-6953-4BC3-96C2-3B7A7436D3EB}" dt="2021-12-01T23:55:09.946" v="2" actId="20577"/>
           <ac:spMkLst>
             <pc:docMk/>
-            <pc:sldMk cId="0" sldId="261"/>
-            <ac:spMk id="246" creationId="{00000000-0000-0000-0000-000000000000}"/>
-          </ac:spMkLst>
-        </pc:spChg>
-        <pc:spChg chg="mod">
-          <ac:chgData name="Cynthia Enciso" userId="7915927f-c5cf-4e1f-876d-e79882ad52fa" providerId="ADAL" clId="{8559A80B-B25A-4E01-AA5F-31128C7F1561}" dt="2021-05-03T17:14:06.406" v="467" actId="20577"/>
-          <ac:spMkLst>
-            <pc:docMk/>
-            <pc:sldMk cId="0" sldId="261"/>
-            <ac:spMk id="247" creationId="{00000000-0000-0000-0000-000000000000}"/>
+            <pc:sldMk cId="1018033801" sldId="297"/>
+            <ac:spMk id="3" creationId="{81FB4101-0567-48E3-BC51-066494A620AB}"/>
           </ac:spMkLst>
         </pc:spChg>
       </pc:sldChg>
       <pc:sldChg chg="del">
-        <pc:chgData name="Cynthia Enciso" userId="7915927f-c5cf-4e1f-876d-e79882ad52fa" providerId="ADAL" clId="{8559A80B-B25A-4E01-AA5F-31128C7F1561}" dt="2021-05-03T17:22:03.161" v="471" actId="47"/>
+        <pc:chgData name="Cynthia Enciso" userId="7915927f-c5cf-4e1f-876d-e79882ad52fa" providerId="ADAL" clId="{68195499-6953-4BC3-96C2-3B7A7436D3EB}" dt="2021-12-01T16:49:46.547" v="0" actId="47"/>
         <pc:sldMkLst>
           <pc:docMk/>
-          <pc:sldMk cId="0" sldId="263"/>
+          <pc:sldMk cId="2029951277" sldId="301"/>
         </pc:sldMkLst>
       </pc:sldChg>
-      <pc:sldChg chg="del">
-        <pc:chgData name="Cynthia Enciso" userId="7915927f-c5cf-4e1f-876d-e79882ad52fa" providerId="ADAL" clId="{8559A80B-B25A-4E01-AA5F-31128C7F1561}" dt="2021-05-03T17:21:46.497" v="470" actId="47"/>
-        <pc:sldMkLst>
-          <pc:docMk/>
-          <pc:sldMk cId="0" sldId="265"/>
-        </pc:sldMkLst>
-      </pc:sldChg>
-      <pc:sldChg chg="ord">
-        <pc:chgData name="Cynthia Enciso" userId="7915927f-c5cf-4e1f-876d-e79882ad52fa" providerId="ADAL" clId="{8559A80B-B25A-4E01-AA5F-31128C7F1561}" dt="2021-05-03T20:19:04.101" v="481"/>
-        <pc:sldMkLst>
-          <pc:docMk/>
-          <pc:sldMk cId="0" sldId="268"/>
-        </pc:sldMkLst>
-      </pc:sldChg>
-      <pc:sldChg chg="del">
-        <pc:chgData name="Cynthia Enciso" userId="7915927f-c5cf-4e1f-876d-e79882ad52fa" providerId="ADAL" clId="{8559A80B-B25A-4E01-AA5F-31128C7F1561}" dt="2021-05-03T17:21:39.174" v="468" actId="47"/>
-        <pc:sldMkLst>
-          <pc:docMk/>
-          <pc:sldMk cId="0" sldId="269"/>
-        </pc:sldMkLst>
-      </pc:sldChg>
-      <pc:sldChg chg="delSp mod">
-        <pc:chgData name="Cynthia Enciso" userId="7915927f-c5cf-4e1f-876d-e79882ad52fa" providerId="ADAL" clId="{8559A80B-B25A-4E01-AA5F-31128C7F1561}" dt="2021-05-03T16:19:09.600" v="0" actId="478"/>
-        <pc:sldMkLst>
-          <pc:docMk/>
-          <pc:sldMk cId="0" sldId="270"/>
-        </pc:sldMkLst>
-        <pc:spChg chg="del">
-          <ac:chgData name="Cynthia Enciso" userId="7915927f-c5cf-4e1f-876d-e79882ad52fa" providerId="ADAL" clId="{8559A80B-B25A-4E01-AA5F-31128C7F1561}" dt="2021-05-03T16:19:09.600" v="0" actId="478"/>
-          <ac:spMkLst>
-            <pc:docMk/>
-            <pc:sldMk cId="0" sldId="270"/>
-            <ac:spMk id="311" creationId="{00000000-0000-0000-0000-000000000000}"/>
-          </ac:spMkLst>
-        </pc:spChg>
-      </pc:sldChg>
-      <pc:sldChg chg="del">
-        <pc:chgData name="Cynthia Enciso" userId="7915927f-c5cf-4e1f-876d-e79882ad52fa" providerId="ADAL" clId="{8559A80B-B25A-4E01-AA5F-31128C7F1561}" dt="2021-05-03T17:21:43.634" v="469" actId="47"/>
-        <pc:sldMkLst>
-          <pc:docMk/>
-          <pc:sldMk cId="2549791720" sldId="277"/>
-        </pc:sldMkLst>
-      </pc:sldChg>
-      <pc:sldChg chg="del">
-        <pc:chgData name="Cynthia Enciso" userId="7915927f-c5cf-4e1f-876d-e79882ad52fa" providerId="ADAL" clId="{8559A80B-B25A-4E01-AA5F-31128C7F1561}" dt="2021-05-03T17:21:43.634" v="469" actId="47"/>
-        <pc:sldMkLst>
-          <pc:docMk/>
-          <pc:sldMk cId="2642164239" sldId="278"/>
-        </pc:sldMkLst>
-      </pc:sldChg>
-      <pc:sldChg chg="add">
-        <pc:chgData name="Cynthia Enciso" userId="7915927f-c5cf-4e1f-876d-e79882ad52fa" providerId="ADAL" clId="{8559A80B-B25A-4E01-AA5F-31128C7F1561}" dt="2021-05-03T17:11:14.764" v="3"/>
-        <pc:sldMkLst>
-          <pc:docMk/>
-          <pc:sldMk cId="0" sldId="280"/>
-        </pc:sldMkLst>
-      </pc:sldChg>
-      <pc:sldChg chg="add del">
-        <pc:chgData name="Cynthia Enciso" userId="7915927f-c5cf-4e1f-876d-e79882ad52fa" providerId="ADAL" clId="{8559A80B-B25A-4E01-AA5F-31128C7F1561}" dt="2021-05-03T17:11:36.844" v="6" actId="47"/>
-        <pc:sldMkLst>
-          <pc:docMk/>
-          <pc:sldMk cId="1867061762" sldId="281"/>
-        </pc:sldMkLst>
-      </pc:sldChg>
-      <pc:sldChg chg="add del">
-        <pc:chgData name="Cynthia Enciso" userId="7915927f-c5cf-4e1f-876d-e79882ad52fa" providerId="ADAL" clId="{8559A80B-B25A-4E01-AA5F-31128C7F1561}" dt="2021-05-03T17:11:36.844" v="6" actId="47"/>
-        <pc:sldMkLst>
-          <pc:docMk/>
-          <pc:sldMk cId="3470556626" sldId="282"/>
-        </pc:sldMkLst>
-      </pc:sldChg>
-      <pc:sldChg chg="add">
-        <pc:chgData name="Cynthia Enciso" userId="7915927f-c5cf-4e1f-876d-e79882ad52fa" providerId="ADAL" clId="{8559A80B-B25A-4E01-AA5F-31128C7F1561}" dt="2021-05-03T20:17:37.838" v="476"/>
-        <pc:sldMkLst>
-          <pc:docMk/>
-          <pc:sldMk cId="2320720555" sldId="283"/>
-        </pc:sldMkLst>
-      </pc:sldChg>
-      <pc:sldChg chg="add">
-        <pc:chgData name="Cynthia Enciso" userId="7915927f-c5cf-4e1f-876d-e79882ad52fa" providerId="ADAL" clId="{8559A80B-B25A-4E01-AA5F-31128C7F1561}" dt="2021-05-03T20:18:30.749" v="477"/>
-        <pc:sldMkLst>
-          <pc:docMk/>
-          <pc:sldMk cId="1104934171" sldId="284"/>
-        </pc:sldMkLst>
-      </pc:sldChg>
-      <pc:sldMasterChg chg="addSldLayout delSldLayout">
-        <pc:chgData name="Cynthia Enciso" userId="7915927f-c5cf-4e1f-876d-e79882ad52fa" providerId="ADAL" clId="{8559A80B-B25A-4E01-AA5F-31128C7F1561}" dt="2021-05-03T17:11:36.844" v="6" actId="47"/>
-        <pc:sldMasterMkLst>
-          <pc:docMk/>
-          <pc:sldMasterMk cId="0" sldId="2147483661"/>
-        </pc:sldMasterMkLst>
-        <pc:sldLayoutChg chg="add del">
-          <pc:chgData name="Cynthia Enciso" userId="7915927f-c5cf-4e1f-876d-e79882ad52fa" providerId="ADAL" clId="{8559A80B-B25A-4E01-AA5F-31128C7F1561}" dt="2021-05-03T17:11:36.844" v="6" actId="47"/>
-          <pc:sldLayoutMkLst>
-            <pc:docMk/>
-            <pc:sldMasterMk cId="0" sldId="2147483661"/>
-            <pc:sldLayoutMk cId="0" sldId="2147483655"/>
-          </pc:sldLayoutMkLst>
-        </pc:sldLayoutChg>
-      </pc:sldMasterChg>
     </pc:docChg>
   </pc:docChgLst>
 </pc:chgInfo>
@@ -39410,6 +39410,83 @@
             <a:r>
               <a:rPr lang="en-US" sz="2000" i="1" dirty="0"/>
               <a:t>	return num1 + num2;</a:t>
+            </a:r>
+          </a:p>
+          <a:p>
+            <a:pPr marL="457200" lvl="1" indent="0">
+              <a:lnSpc>
+                <a:spcPct val="90000"/>
+              </a:lnSpc>
+              <a:buNone/>
+            </a:pPr>
+            <a:r>
+              <a:rPr lang="en-US" sz="2000" dirty="0"/>
+              <a:t>}</a:t>
+            </a:r>
+          </a:p>
+          <a:p>
+            <a:pPr marL="457200" lvl="1" indent="0">
+              <a:lnSpc>
+                <a:spcPct val="90000"/>
+              </a:lnSpc>
+              <a:buNone/>
+            </a:pPr>
+            <a:endParaRPr lang="en-US" sz="2000" dirty="0"/>
+          </a:p>
+          <a:p>
+            <a:pPr marL="457200" lvl="1" indent="0">
+              <a:lnSpc>
+                <a:spcPct val="90000"/>
+              </a:lnSpc>
+              <a:buNone/>
+            </a:pPr>
+            <a:r>
+              <a:rPr lang="en-US" sz="2000" dirty="0">
+                <a:highlight>
+                  <a:srgbClr val="FFFF00"/>
+                </a:highlight>
+              </a:rPr>
+              <a:t>public</a:t>
+            </a:r>
+            <a:r>
+              <a:rPr lang="en-US" sz="2000" dirty="0"/>
+              <a:t> </a:t>
+            </a:r>
+            <a:r>
+              <a:rPr lang="en-US" sz="2000" dirty="0">
+                <a:highlight>
+                  <a:srgbClr val="FF00FF"/>
+                </a:highlight>
+              </a:rPr>
+              <a:t>String</a:t>
+            </a:r>
+            <a:r>
+              <a:rPr lang="en-US" sz="2000" dirty="0"/>
+              <a:t> </a:t>
+            </a:r>
+            <a:r>
+              <a:rPr lang="en-US" sz="2000" dirty="0">
+                <a:highlight>
+                  <a:srgbClr val="00FFFF"/>
+                </a:highlight>
+              </a:rPr>
+              <a:t>print</a:t>
+            </a:r>
+            <a:r>
+              <a:rPr lang="en-US" sz="2000" dirty="0"/>
+              <a:t> () {</a:t>
+            </a:r>
+          </a:p>
+          <a:p>
+            <a:pPr marL="457200" lvl="1" indent="0">
+              <a:lnSpc>
+                <a:spcPct val="90000"/>
+              </a:lnSpc>
+              <a:buNone/>
+            </a:pPr>
+            <a:r>
+              <a:rPr lang="en-US" sz="2000" i="1" dirty="0"/>
+              <a:t>	return “Hello There”;</a:t>
             </a:r>
           </a:p>
           <a:p>

--- a/revised-ppts/Day 9 PPT.pptx
+++ b/revised-ppts/Day 9 PPT.pptx
@@ -391,7 +391,7 @@
 <file path=ppt/revisionInfo.xml><?xml version="1.0" encoding="utf-8"?>
 <p1510:revInfo xmlns:a="http://schemas.openxmlformats.org/drawingml/2006/main" xmlns:r="http://schemas.openxmlformats.org/officeDocument/2006/relationships" xmlns:p1510="http://schemas.microsoft.com/office/powerpoint/2015/10/main">
   <p1510:revLst>
-    <p1510:client id="{EE36BD4D-7FD3-4C0A-8E81-BF9361CE3DCB}" v="2096" dt="2021-12-01T16:28:31.714"/>
+    <p1510:client id="{74916844-B1A9-4A47-BFD9-CAAF2864A3CC}" v="11" dt="2022-03-28T21:46:40.230"/>
   </p1510:revLst>
 </p1510:revInfo>
 </file>
@@ -399,156 +399,43 @@
 <file path=ppt/changesInfos/changesInfo1.xml><?xml version="1.0" encoding="utf-8"?>
 <pc:chgInfo xmlns:a="http://schemas.openxmlformats.org/drawingml/2006/main" xmlns:r="http://schemas.openxmlformats.org/officeDocument/2006/relationships" xmlns:ac="http://schemas.microsoft.com/office/drawing/2013/main/command" xmlns:pc="http://schemas.microsoft.com/office/powerpoint/2013/main/command">
   <pc:docChgLst>
-    <pc:chgData name="Cynthia Enciso" userId="7915927f-c5cf-4e1f-876d-e79882ad52fa" providerId="ADAL" clId="{8559A80B-B25A-4E01-AA5F-31128C7F1561}"/>
-    <pc:docChg chg="undo custSel addSld delSld modSld sldOrd">
-      <pc:chgData name="Cynthia Enciso" userId="7915927f-c5cf-4e1f-876d-e79882ad52fa" providerId="ADAL" clId="{8559A80B-B25A-4E01-AA5F-31128C7F1561}" dt="2021-05-03T20:19:04.101" v="481"/>
+    <pc:chgData name="Cynthia Enciso" userId="7915927f-c5cf-4e1f-876d-e79882ad52fa" providerId="ADAL" clId="{0CE2D9B1-3309-4CA9-962C-A8B857A3418D}"/>
+    <pc:docChg chg="custSel modSld">
+      <pc:chgData name="Cynthia Enciso" userId="7915927f-c5cf-4e1f-876d-e79882ad52fa" providerId="ADAL" clId="{0CE2D9B1-3309-4CA9-962C-A8B857A3418D}" dt="2021-11-30T20:27:11.346" v="22" actId="207"/>
       <pc:docMkLst>
         <pc:docMk/>
       </pc:docMkLst>
-      <pc:sldChg chg="ord">
-        <pc:chgData name="Cynthia Enciso" userId="7915927f-c5cf-4e1f-876d-e79882ad52fa" providerId="ADAL" clId="{8559A80B-B25A-4E01-AA5F-31128C7F1561}" dt="2021-05-03T19:51:43.980" v="473"/>
+      <pc:sldChg chg="modSp mod modClrScheme chgLayout">
+        <pc:chgData name="Cynthia Enciso" userId="7915927f-c5cf-4e1f-876d-e79882ad52fa" providerId="ADAL" clId="{0CE2D9B1-3309-4CA9-962C-A8B857A3418D}" dt="2021-11-30T20:27:11.346" v="22" actId="207"/>
         <pc:sldMkLst>
           <pc:docMk/>
-          <pc:sldMk cId="0" sldId="259"/>
+          <pc:sldMk cId="0" sldId="257"/>
         </pc:sldMkLst>
-      </pc:sldChg>
-      <pc:sldChg chg="ord">
-        <pc:chgData name="Cynthia Enciso" userId="7915927f-c5cf-4e1f-876d-e79882ad52fa" providerId="ADAL" clId="{8559A80B-B25A-4E01-AA5F-31128C7F1561}" dt="2021-05-03T16:58:15.659" v="2"/>
-        <pc:sldMkLst>
-          <pc:docMk/>
-          <pc:sldMk cId="0" sldId="260"/>
-        </pc:sldMkLst>
-      </pc:sldChg>
-      <pc:sldChg chg="modSp mod modAnim">
-        <pc:chgData name="Cynthia Enciso" userId="7915927f-c5cf-4e1f-876d-e79882ad52fa" providerId="ADAL" clId="{8559A80B-B25A-4E01-AA5F-31128C7F1561}" dt="2021-05-03T17:14:06.406" v="467" actId="20577"/>
-        <pc:sldMkLst>
-          <pc:docMk/>
-          <pc:sldMk cId="0" sldId="261"/>
-        </pc:sldMkLst>
-        <pc:spChg chg="mod">
-          <ac:chgData name="Cynthia Enciso" userId="7915927f-c5cf-4e1f-876d-e79882ad52fa" providerId="ADAL" clId="{8559A80B-B25A-4E01-AA5F-31128C7F1561}" dt="2021-05-03T17:12:32.827" v="27" actId="20577"/>
+        <pc:spChg chg="mod ord">
+          <ac:chgData name="Cynthia Enciso" userId="7915927f-c5cf-4e1f-876d-e79882ad52fa" providerId="ADAL" clId="{0CE2D9B1-3309-4CA9-962C-A8B857A3418D}" dt="2021-11-30T20:27:11.346" v="22" actId="207"/>
           <ac:spMkLst>
             <pc:docMk/>
-            <pc:sldMk cId="0" sldId="261"/>
-            <ac:spMk id="246" creationId="{00000000-0000-0000-0000-000000000000}"/>
+            <pc:sldMk cId="0" sldId="257"/>
+            <ac:spMk id="218" creationId="{00000000-0000-0000-0000-000000000000}"/>
           </ac:spMkLst>
         </pc:spChg>
-        <pc:spChg chg="mod">
-          <ac:chgData name="Cynthia Enciso" userId="7915927f-c5cf-4e1f-876d-e79882ad52fa" providerId="ADAL" clId="{8559A80B-B25A-4E01-AA5F-31128C7F1561}" dt="2021-05-03T17:14:06.406" v="467" actId="20577"/>
+        <pc:spChg chg="mod ord">
+          <ac:chgData name="Cynthia Enciso" userId="7915927f-c5cf-4e1f-876d-e79882ad52fa" providerId="ADAL" clId="{0CE2D9B1-3309-4CA9-962C-A8B857A3418D}" dt="2021-11-30T20:26:48.214" v="0" actId="700"/>
           <ac:spMkLst>
             <pc:docMk/>
-            <pc:sldMk cId="0" sldId="261"/>
-            <ac:spMk id="247" creationId="{00000000-0000-0000-0000-000000000000}"/>
+            <pc:sldMk cId="0" sldId="257"/>
+            <ac:spMk id="219" creationId="{00000000-0000-0000-0000-000000000000}"/>
+          </ac:spMkLst>
+        </pc:spChg>
+        <pc:spChg chg="mod ord">
+          <ac:chgData name="Cynthia Enciso" userId="7915927f-c5cf-4e1f-876d-e79882ad52fa" providerId="ADAL" clId="{0CE2D9B1-3309-4CA9-962C-A8B857A3418D}" dt="2021-11-30T20:26:48.214" v="0" actId="700"/>
+          <ac:spMkLst>
+            <pc:docMk/>
+            <pc:sldMk cId="0" sldId="257"/>
+            <ac:spMk id="220" creationId="{00000000-0000-0000-0000-000000000000}"/>
           </ac:spMkLst>
         </pc:spChg>
       </pc:sldChg>
-      <pc:sldChg chg="del">
-        <pc:chgData name="Cynthia Enciso" userId="7915927f-c5cf-4e1f-876d-e79882ad52fa" providerId="ADAL" clId="{8559A80B-B25A-4E01-AA5F-31128C7F1561}" dt="2021-05-03T17:22:03.161" v="471" actId="47"/>
-        <pc:sldMkLst>
-          <pc:docMk/>
-          <pc:sldMk cId="0" sldId="263"/>
-        </pc:sldMkLst>
-      </pc:sldChg>
-      <pc:sldChg chg="del">
-        <pc:chgData name="Cynthia Enciso" userId="7915927f-c5cf-4e1f-876d-e79882ad52fa" providerId="ADAL" clId="{8559A80B-B25A-4E01-AA5F-31128C7F1561}" dt="2021-05-03T17:21:46.497" v="470" actId="47"/>
-        <pc:sldMkLst>
-          <pc:docMk/>
-          <pc:sldMk cId="0" sldId="265"/>
-        </pc:sldMkLst>
-      </pc:sldChg>
-      <pc:sldChg chg="ord">
-        <pc:chgData name="Cynthia Enciso" userId="7915927f-c5cf-4e1f-876d-e79882ad52fa" providerId="ADAL" clId="{8559A80B-B25A-4E01-AA5F-31128C7F1561}" dt="2021-05-03T20:19:04.101" v="481"/>
-        <pc:sldMkLst>
-          <pc:docMk/>
-          <pc:sldMk cId="0" sldId="268"/>
-        </pc:sldMkLst>
-      </pc:sldChg>
-      <pc:sldChg chg="del">
-        <pc:chgData name="Cynthia Enciso" userId="7915927f-c5cf-4e1f-876d-e79882ad52fa" providerId="ADAL" clId="{8559A80B-B25A-4E01-AA5F-31128C7F1561}" dt="2021-05-03T17:21:39.174" v="468" actId="47"/>
-        <pc:sldMkLst>
-          <pc:docMk/>
-          <pc:sldMk cId="0" sldId="269"/>
-        </pc:sldMkLst>
-      </pc:sldChg>
-      <pc:sldChg chg="delSp mod">
-        <pc:chgData name="Cynthia Enciso" userId="7915927f-c5cf-4e1f-876d-e79882ad52fa" providerId="ADAL" clId="{8559A80B-B25A-4E01-AA5F-31128C7F1561}" dt="2021-05-03T16:19:09.600" v="0" actId="478"/>
-        <pc:sldMkLst>
-          <pc:docMk/>
-          <pc:sldMk cId="0" sldId="270"/>
-        </pc:sldMkLst>
-        <pc:spChg chg="del">
-          <ac:chgData name="Cynthia Enciso" userId="7915927f-c5cf-4e1f-876d-e79882ad52fa" providerId="ADAL" clId="{8559A80B-B25A-4E01-AA5F-31128C7F1561}" dt="2021-05-03T16:19:09.600" v="0" actId="478"/>
-          <ac:spMkLst>
-            <pc:docMk/>
-            <pc:sldMk cId="0" sldId="270"/>
-            <ac:spMk id="311" creationId="{00000000-0000-0000-0000-000000000000}"/>
-          </ac:spMkLst>
-        </pc:spChg>
-      </pc:sldChg>
-      <pc:sldChg chg="del">
-        <pc:chgData name="Cynthia Enciso" userId="7915927f-c5cf-4e1f-876d-e79882ad52fa" providerId="ADAL" clId="{8559A80B-B25A-4E01-AA5F-31128C7F1561}" dt="2021-05-03T17:21:43.634" v="469" actId="47"/>
-        <pc:sldMkLst>
-          <pc:docMk/>
-          <pc:sldMk cId="2549791720" sldId="277"/>
-        </pc:sldMkLst>
-      </pc:sldChg>
-      <pc:sldChg chg="del">
-        <pc:chgData name="Cynthia Enciso" userId="7915927f-c5cf-4e1f-876d-e79882ad52fa" providerId="ADAL" clId="{8559A80B-B25A-4E01-AA5F-31128C7F1561}" dt="2021-05-03T17:21:43.634" v="469" actId="47"/>
-        <pc:sldMkLst>
-          <pc:docMk/>
-          <pc:sldMk cId="2642164239" sldId="278"/>
-        </pc:sldMkLst>
-      </pc:sldChg>
-      <pc:sldChg chg="add">
-        <pc:chgData name="Cynthia Enciso" userId="7915927f-c5cf-4e1f-876d-e79882ad52fa" providerId="ADAL" clId="{8559A80B-B25A-4E01-AA5F-31128C7F1561}" dt="2021-05-03T17:11:14.764" v="3"/>
-        <pc:sldMkLst>
-          <pc:docMk/>
-          <pc:sldMk cId="0" sldId="280"/>
-        </pc:sldMkLst>
-      </pc:sldChg>
-      <pc:sldChg chg="add del">
-        <pc:chgData name="Cynthia Enciso" userId="7915927f-c5cf-4e1f-876d-e79882ad52fa" providerId="ADAL" clId="{8559A80B-B25A-4E01-AA5F-31128C7F1561}" dt="2021-05-03T17:11:36.844" v="6" actId="47"/>
-        <pc:sldMkLst>
-          <pc:docMk/>
-          <pc:sldMk cId="1867061762" sldId="281"/>
-        </pc:sldMkLst>
-      </pc:sldChg>
-      <pc:sldChg chg="add del">
-        <pc:chgData name="Cynthia Enciso" userId="7915927f-c5cf-4e1f-876d-e79882ad52fa" providerId="ADAL" clId="{8559A80B-B25A-4E01-AA5F-31128C7F1561}" dt="2021-05-03T17:11:36.844" v="6" actId="47"/>
-        <pc:sldMkLst>
-          <pc:docMk/>
-          <pc:sldMk cId="3470556626" sldId="282"/>
-        </pc:sldMkLst>
-      </pc:sldChg>
-      <pc:sldChg chg="add">
-        <pc:chgData name="Cynthia Enciso" userId="7915927f-c5cf-4e1f-876d-e79882ad52fa" providerId="ADAL" clId="{8559A80B-B25A-4E01-AA5F-31128C7F1561}" dt="2021-05-03T20:17:37.838" v="476"/>
-        <pc:sldMkLst>
-          <pc:docMk/>
-          <pc:sldMk cId="2320720555" sldId="283"/>
-        </pc:sldMkLst>
-      </pc:sldChg>
-      <pc:sldChg chg="add">
-        <pc:chgData name="Cynthia Enciso" userId="7915927f-c5cf-4e1f-876d-e79882ad52fa" providerId="ADAL" clId="{8559A80B-B25A-4E01-AA5F-31128C7F1561}" dt="2021-05-03T20:18:30.749" v="477"/>
-        <pc:sldMkLst>
-          <pc:docMk/>
-          <pc:sldMk cId="1104934171" sldId="284"/>
-        </pc:sldMkLst>
-      </pc:sldChg>
-      <pc:sldMasterChg chg="addSldLayout delSldLayout">
-        <pc:chgData name="Cynthia Enciso" userId="7915927f-c5cf-4e1f-876d-e79882ad52fa" providerId="ADAL" clId="{8559A80B-B25A-4E01-AA5F-31128C7F1561}" dt="2021-05-03T17:11:36.844" v="6" actId="47"/>
-        <pc:sldMasterMkLst>
-          <pc:docMk/>
-          <pc:sldMasterMk cId="0" sldId="2147483661"/>
-        </pc:sldMasterMkLst>
-        <pc:sldLayoutChg chg="add del">
-          <pc:chgData name="Cynthia Enciso" userId="7915927f-c5cf-4e1f-876d-e79882ad52fa" providerId="ADAL" clId="{8559A80B-B25A-4E01-AA5F-31128C7F1561}" dt="2021-05-03T17:11:36.844" v="6" actId="47"/>
-          <pc:sldLayoutMkLst>
-            <pc:docMk/>
-            <pc:sldMasterMk cId="0" sldId="2147483661"/>
-            <pc:sldLayoutMk cId="0" sldId="2147483655"/>
-          </pc:sldLayoutMkLst>
-        </pc:sldLayoutChg>
-      </pc:sldMasterChg>
     </pc:docChg>
   </pc:docChgLst>
   <pc:docChgLst>
@@ -756,31 +643,32 @@
     </pc:docChg>
   </pc:docChgLst>
   <pc:docChgLst>
-    <pc:chgData name="Bryn Portella" userId="S::bryn.portella@revature.com::cac9ba8b-dbd7-41cd-af06-e643c8802b55" providerId="AD" clId="Web-{D6C9B59F-001F-B000-D000-413771C9E9BA}"/>
-    <pc:docChg chg="addSld delSld">
-      <pc:chgData name="Bryn Portella" userId="S::bryn.portella@revature.com::cac9ba8b-dbd7-41cd-af06-e643c8802b55" providerId="AD" clId="Web-{D6C9B59F-001F-B000-D000-413771C9E9BA}" dt="2021-03-19T12:27:07.943" v="5"/>
+    <pc:chgData name="Cynthia Enciso" userId="7915927f-c5cf-4e1f-876d-e79882ad52fa" providerId="ADAL" clId="{68195499-6953-4BC3-96C2-3B7A7436D3EB}"/>
+    <pc:docChg chg="delSld modSld">
+      <pc:chgData name="Cynthia Enciso" userId="7915927f-c5cf-4e1f-876d-e79882ad52fa" providerId="ADAL" clId="{68195499-6953-4BC3-96C2-3B7A7436D3EB}" dt="2021-12-01T23:55:09.946" v="2" actId="20577"/>
       <pc:docMkLst>
         <pc:docMk/>
       </pc:docMkLst>
-      <pc:sldChg chg="add del">
-        <pc:chgData name="Bryn Portella" userId="S::bryn.portella@revature.com::cac9ba8b-dbd7-41cd-af06-e643c8802b55" providerId="AD" clId="Web-{D6C9B59F-001F-B000-D000-413771C9E9BA}" dt="2021-03-19T12:27:07.818" v="3"/>
+      <pc:sldChg chg="modSp mod">
+        <pc:chgData name="Cynthia Enciso" userId="7915927f-c5cf-4e1f-876d-e79882ad52fa" providerId="ADAL" clId="{68195499-6953-4BC3-96C2-3B7A7436D3EB}" dt="2021-12-01T23:55:09.946" v="2" actId="20577"/>
         <pc:sldMkLst>
           <pc:docMk/>
-          <pc:sldMk cId="0" sldId="265"/>
+          <pc:sldMk cId="1018033801" sldId="297"/>
         </pc:sldMkLst>
+        <pc:spChg chg="mod">
+          <ac:chgData name="Cynthia Enciso" userId="7915927f-c5cf-4e1f-876d-e79882ad52fa" providerId="ADAL" clId="{68195499-6953-4BC3-96C2-3B7A7436D3EB}" dt="2021-12-01T23:55:09.946" v="2" actId="20577"/>
+          <ac:spMkLst>
+            <pc:docMk/>
+            <pc:sldMk cId="1018033801" sldId="297"/>
+            <ac:spMk id="3" creationId="{81FB4101-0567-48E3-BC51-066494A620AB}"/>
+          </ac:spMkLst>
+        </pc:spChg>
       </pc:sldChg>
-      <pc:sldChg chg="add del">
-        <pc:chgData name="Bryn Portella" userId="S::bryn.portella@revature.com::cac9ba8b-dbd7-41cd-af06-e643c8802b55" providerId="AD" clId="Web-{D6C9B59F-001F-B000-D000-413771C9E9BA}" dt="2021-03-19T12:27:07.943" v="5"/>
+      <pc:sldChg chg="del">
+        <pc:chgData name="Cynthia Enciso" userId="7915927f-c5cf-4e1f-876d-e79882ad52fa" providerId="ADAL" clId="{68195499-6953-4BC3-96C2-3B7A7436D3EB}" dt="2021-12-01T16:49:46.547" v="0" actId="47"/>
         <pc:sldMkLst>
           <pc:docMk/>
-          <pc:sldMk cId="0" sldId="269"/>
-        </pc:sldMkLst>
-      </pc:sldChg>
-      <pc:sldChg chg="add del">
-        <pc:chgData name="Bryn Portella" userId="S::bryn.portella@revature.com::cac9ba8b-dbd7-41cd-af06-e643c8802b55" providerId="AD" clId="Web-{D6C9B59F-001F-B000-D000-413771C9E9BA}" dt="2021-03-19T12:27:07.880" v="4"/>
-        <pc:sldMkLst>
-          <pc:docMk/>
-          <pc:sldMk cId="2549791720" sldId="277"/>
+          <pc:sldMk cId="2029951277" sldId="301"/>
         </pc:sldMkLst>
       </pc:sldChg>
     </pc:docChg>
@@ -2406,73 +2294,247 @@
     </pc:docChg>
   </pc:docChgLst>
   <pc:docChgLst>
-    <pc:chgData name="Cynthia Enciso" userId="7915927f-c5cf-4e1f-876d-e79882ad52fa" providerId="ADAL" clId="{0CE2D9B1-3309-4CA9-962C-A8B857A3418D}"/>
-    <pc:docChg chg="custSel modSld">
-      <pc:chgData name="Cynthia Enciso" userId="7915927f-c5cf-4e1f-876d-e79882ad52fa" providerId="ADAL" clId="{0CE2D9B1-3309-4CA9-962C-A8B857A3418D}" dt="2021-11-30T20:27:11.346" v="22" actId="207"/>
+    <pc:chgData name="Bryn Portella" userId="S::bryn.portella@revature.com::cac9ba8b-dbd7-41cd-af06-e643c8802b55" providerId="AD" clId="Web-{D6C9B59F-001F-B000-D000-413771C9E9BA}"/>
+    <pc:docChg chg="addSld delSld">
+      <pc:chgData name="Bryn Portella" userId="S::bryn.portella@revature.com::cac9ba8b-dbd7-41cd-af06-e643c8802b55" providerId="AD" clId="Web-{D6C9B59F-001F-B000-D000-413771C9E9BA}" dt="2021-03-19T12:27:07.943" v="5"/>
       <pc:docMkLst>
         <pc:docMk/>
       </pc:docMkLst>
-      <pc:sldChg chg="modSp mod modClrScheme chgLayout">
-        <pc:chgData name="Cynthia Enciso" userId="7915927f-c5cf-4e1f-876d-e79882ad52fa" providerId="ADAL" clId="{0CE2D9B1-3309-4CA9-962C-A8B857A3418D}" dt="2021-11-30T20:27:11.346" v="22" actId="207"/>
+      <pc:sldChg chg="add del">
+        <pc:chgData name="Bryn Portella" userId="S::bryn.portella@revature.com::cac9ba8b-dbd7-41cd-af06-e643c8802b55" providerId="AD" clId="Web-{D6C9B59F-001F-B000-D000-413771C9E9BA}" dt="2021-03-19T12:27:07.818" v="3"/>
         <pc:sldMkLst>
           <pc:docMk/>
-          <pc:sldMk cId="0" sldId="257"/>
+          <pc:sldMk cId="0" sldId="265"/>
         </pc:sldMkLst>
-        <pc:spChg chg="mod ord">
-          <ac:chgData name="Cynthia Enciso" userId="7915927f-c5cf-4e1f-876d-e79882ad52fa" providerId="ADAL" clId="{0CE2D9B1-3309-4CA9-962C-A8B857A3418D}" dt="2021-11-30T20:27:11.346" v="22" actId="207"/>
-          <ac:spMkLst>
-            <pc:docMk/>
-            <pc:sldMk cId="0" sldId="257"/>
-            <ac:spMk id="218" creationId="{00000000-0000-0000-0000-000000000000}"/>
-          </ac:spMkLst>
-        </pc:spChg>
-        <pc:spChg chg="mod ord">
-          <ac:chgData name="Cynthia Enciso" userId="7915927f-c5cf-4e1f-876d-e79882ad52fa" providerId="ADAL" clId="{0CE2D9B1-3309-4CA9-962C-A8B857A3418D}" dt="2021-11-30T20:26:48.214" v="0" actId="700"/>
-          <ac:spMkLst>
-            <pc:docMk/>
-            <pc:sldMk cId="0" sldId="257"/>
-            <ac:spMk id="219" creationId="{00000000-0000-0000-0000-000000000000}"/>
-          </ac:spMkLst>
-        </pc:spChg>
-        <pc:spChg chg="mod ord">
-          <ac:chgData name="Cynthia Enciso" userId="7915927f-c5cf-4e1f-876d-e79882ad52fa" providerId="ADAL" clId="{0CE2D9B1-3309-4CA9-962C-A8B857A3418D}" dt="2021-11-30T20:26:48.214" v="0" actId="700"/>
-          <ac:spMkLst>
-            <pc:docMk/>
-            <pc:sldMk cId="0" sldId="257"/>
-            <ac:spMk id="220" creationId="{00000000-0000-0000-0000-000000000000}"/>
-          </ac:spMkLst>
-        </pc:spChg>
+      </pc:sldChg>
+      <pc:sldChg chg="add del">
+        <pc:chgData name="Bryn Portella" userId="S::bryn.portella@revature.com::cac9ba8b-dbd7-41cd-af06-e643c8802b55" providerId="AD" clId="Web-{D6C9B59F-001F-B000-D000-413771C9E9BA}" dt="2021-03-19T12:27:07.943" v="5"/>
+        <pc:sldMkLst>
+          <pc:docMk/>
+          <pc:sldMk cId="0" sldId="269"/>
+        </pc:sldMkLst>
+      </pc:sldChg>
+      <pc:sldChg chg="add del">
+        <pc:chgData name="Bryn Portella" userId="S::bryn.portella@revature.com::cac9ba8b-dbd7-41cd-af06-e643c8802b55" providerId="AD" clId="Web-{D6C9B59F-001F-B000-D000-413771C9E9BA}" dt="2021-03-19T12:27:07.880" v="4"/>
+        <pc:sldMkLst>
+          <pc:docMk/>
+          <pc:sldMk cId="2549791720" sldId="277"/>
+        </pc:sldMkLst>
       </pc:sldChg>
     </pc:docChg>
   </pc:docChgLst>
   <pc:docChgLst>
-    <pc:chgData name="Cynthia Enciso" userId="7915927f-c5cf-4e1f-876d-e79882ad52fa" providerId="ADAL" clId="{68195499-6953-4BC3-96C2-3B7A7436D3EB}"/>
-    <pc:docChg chg="delSld modSld">
-      <pc:chgData name="Cynthia Enciso" userId="7915927f-c5cf-4e1f-876d-e79882ad52fa" providerId="ADAL" clId="{68195499-6953-4BC3-96C2-3B7A7436D3EB}" dt="2021-12-01T23:55:09.946" v="2" actId="20577"/>
+    <pc:chgData name="Cynthia Enciso" userId="7915927f-c5cf-4e1f-876d-e79882ad52fa" providerId="ADAL" clId="{8559A80B-B25A-4E01-AA5F-31128C7F1561}"/>
+    <pc:docChg chg="undo custSel addSld delSld modSld sldOrd">
+      <pc:chgData name="Cynthia Enciso" userId="7915927f-c5cf-4e1f-876d-e79882ad52fa" providerId="ADAL" clId="{8559A80B-B25A-4E01-AA5F-31128C7F1561}" dt="2021-05-03T20:19:04.101" v="481"/>
       <pc:docMkLst>
         <pc:docMk/>
       </pc:docMkLst>
-      <pc:sldChg chg="modSp mod">
-        <pc:chgData name="Cynthia Enciso" userId="7915927f-c5cf-4e1f-876d-e79882ad52fa" providerId="ADAL" clId="{68195499-6953-4BC3-96C2-3B7A7436D3EB}" dt="2021-12-01T23:55:09.946" v="2" actId="20577"/>
+      <pc:sldChg chg="ord">
+        <pc:chgData name="Cynthia Enciso" userId="7915927f-c5cf-4e1f-876d-e79882ad52fa" providerId="ADAL" clId="{8559A80B-B25A-4E01-AA5F-31128C7F1561}" dt="2021-05-03T19:51:43.980" v="473"/>
         <pc:sldMkLst>
           <pc:docMk/>
-          <pc:sldMk cId="1018033801" sldId="297"/>
+          <pc:sldMk cId="0" sldId="259"/>
+        </pc:sldMkLst>
+      </pc:sldChg>
+      <pc:sldChg chg="ord">
+        <pc:chgData name="Cynthia Enciso" userId="7915927f-c5cf-4e1f-876d-e79882ad52fa" providerId="ADAL" clId="{8559A80B-B25A-4E01-AA5F-31128C7F1561}" dt="2021-05-03T16:58:15.659" v="2"/>
+        <pc:sldMkLst>
+          <pc:docMk/>
+          <pc:sldMk cId="0" sldId="260"/>
+        </pc:sldMkLst>
+      </pc:sldChg>
+      <pc:sldChg chg="modSp mod modAnim">
+        <pc:chgData name="Cynthia Enciso" userId="7915927f-c5cf-4e1f-876d-e79882ad52fa" providerId="ADAL" clId="{8559A80B-B25A-4E01-AA5F-31128C7F1561}" dt="2021-05-03T17:14:06.406" v="467" actId="20577"/>
+        <pc:sldMkLst>
+          <pc:docMk/>
+          <pc:sldMk cId="0" sldId="261"/>
         </pc:sldMkLst>
         <pc:spChg chg="mod">
-          <ac:chgData name="Cynthia Enciso" userId="7915927f-c5cf-4e1f-876d-e79882ad52fa" providerId="ADAL" clId="{68195499-6953-4BC3-96C2-3B7A7436D3EB}" dt="2021-12-01T23:55:09.946" v="2" actId="20577"/>
+          <ac:chgData name="Cynthia Enciso" userId="7915927f-c5cf-4e1f-876d-e79882ad52fa" providerId="ADAL" clId="{8559A80B-B25A-4E01-AA5F-31128C7F1561}" dt="2021-05-03T17:12:32.827" v="27" actId="20577"/>
           <ac:spMkLst>
             <pc:docMk/>
-            <pc:sldMk cId="1018033801" sldId="297"/>
-            <ac:spMk id="3" creationId="{81FB4101-0567-48E3-BC51-066494A620AB}"/>
+            <pc:sldMk cId="0" sldId="261"/>
+            <ac:spMk id="246" creationId="{00000000-0000-0000-0000-000000000000}"/>
+          </ac:spMkLst>
+        </pc:spChg>
+        <pc:spChg chg="mod">
+          <ac:chgData name="Cynthia Enciso" userId="7915927f-c5cf-4e1f-876d-e79882ad52fa" providerId="ADAL" clId="{8559A80B-B25A-4E01-AA5F-31128C7F1561}" dt="2021-05-03T17:14:06.406" v="467" actId="20577"/>
+          <ac:spMkLst>
+            <pc:docMk/>
+            <pc:sldMk cId="0" sldId="261"/>
+            <ac:spMk id="247" creationId="{00000000-0000-0000-0000-000000000000}"/>
           </ac:spMkLst>
         </pc:spChg>
       </pc:sldChg>
       <pc:sldChg chg="del">
-        <pc:chgData name="Cynthia Enciso" userId="7915927f-c5cf-4e1f-876d-e79882ad52fa" providerId="ADAL" clId="{68195499-6953-4BC3-96C2-3B7A7436D3EB}" dt="2021-12-01T16:49:46.547" v="0" actId="47"/>
+        <pc:chgData name="Cynthia Enciso" userId="7915927f-c5cf-4e1f-876d-e79882ad52fa" providerId="ADAL" clId="{8559A80B-B25A-4E01-AA5F-31128C7F1561}" dt="2021-05-03T17:22:03.161" v="471" actId="47"/>
         <pc:sldMkLst>
           <pc:docMk/>
-          <pc:sldMk cId="2029951277" sldId="301"/>
+          <pc:sldMk cId="0" sldId="263"/>
         </pc:sldMkLst>
+      </pc:sldChg>
+      <pc:sldChg chg="del">
+        <pc:chgData name="Cynthia Enciso" userId="7915927f-c5cf-4e1f-876d-e79882ad52fa" providerId="ADAL" clId="{8559A80B-B25A-4E01-AA5F-31128C7F1561}" dt="2021-05-03T17:21:46.497" v="470" actId="47"/>
+        <pc:sldMkLst>
+          <pc:docMk/>
+          <pc:sldMk cId="0" sldId="265"/>
+        </pc:sldMkLst>
+      </pc:sldChg>
+      <pc:sldChg chg="ord">
+        <pc:chgData name="Cynthia Enciso" userId="7915927f-c5cf-4e1f-876d-e79882ad52fa" providerId="ADAL" clId="{8559A80B-B25A-4E01-AA5F-31128C7F1561}" dt="2021-05-03T20:19:04.101" v="481"/>
+        <pc:sldMkLst>
+          <pc:docMk/>
+          <pc:sldMk cId="0" sldId="268"/>
+        </pc:sldMkLst>
+      </pc:sldChg>
+      <pc:sldChg chg="del">
+        <pc:chgData name="Cynthia Enciso" userId="7915927f-c5cf-4e1f-876d-e79882ad52fa" providerId="ADAL" clId="{8559A80B-B25A-4E01-AA5F-31128C7F1561}" dt="2021-05-03T17:21:39.174" v="468" actId="47"/>
+        <pc:sldMkLst>
+          <pc:docMk/>
+          <pc:sldMk cId="0" sldId="269"/>
+        </pc:sldMkLst>
+      </pc:sldChg>
+      <pc:sldChg chg="delSp mod">
+        <pc:chgData name="Cynthia Enciso" userId="7915927f-c5cf-4e1f-876d-e79882ad52fa" providerId="ADAL" clId="{8559A80B-B25A-4E01-AA5F-31128C7F1561}" dt="2021-05-03T16:19:09.600" v="0" actId="478"/>
+        <pc:sldMkLst>
+          <pc:docMk/>
+          <pc:sldMk cId="0" sldId="270"/>
+        </pc:sldMkLst>
+        <pc:spChg chg="del">
+          <ac:chgData name="Cynthia Enciso" userId="7915927f-c5cf-4e1f-876d-e79882ad52fa" providerId="ADAL" clId="{8559A80B-B25A-4E01-AA5F-31128C7F1561}" dt="2021-05-03T16:19:09.600" v="0" actId="478"/>
+          <ac:spMkLst>
+            <pc:docMk/>
+            <pc:sldMk cId="0" sldId="270"/>
+            <ac:spMk id="311" creationId="{00000000-0000-0000-0000-000000000000}"/>
+          </ac:spMkLst>
+        </pc:spChg>
+      </pc:sldChg>
+      <pc:sldChg chg="del">
+        <pc:chgData name="Cynthia Enciso" userId="7915927f-c5cf-4e1f-876d-e79882ad52fa" providerId="ADAL" clId="{8559A80B-B25A-4E01-AA5F-31128C7F1561}" dt="2021-05-03T17:21:43.634" v="469" actId="47"/>
+        <pc:sldMkLst>
+          <pc:docMk/>
+          <pc:sldMk cId="2549791720" sldId="277"/>
+        </pc:sldMkLst>
+      </pc:sldChg>
+      <pc:sldChg chg="del">
+        <pc:chgData name="Cynthia Enciso" userId="7915927f-c5cf-4e1f-876d-e79882ad52fa" providerId="ADAL" clId="{8559A80B-B25A-4E01-AA5F-31128C7F1561}" dt="2021-05-03T17:21:43.634" v="469" actId="47"/>
+        <pc:sldMkLst>
+          <pc:docMk/>
+          <pc:sldMk cId="2642164239" sldId="278"/>
+        </pc:sldMkLst>
+      </pc:sldChg>
+      <pc:sldChg chg="add">
+        <pc:chgData name="Cynthia Enciso" userId="7915927f-c5cf-4e1f-876d-e79882ad52fa" providerId="ADAL" clId="{8559A80B-B25A-4E01-AA5F-31128C7F1561}" dt="2021-05-03T17:11:14.764" v="3"/>
+        <pc:sldMkLst>
+          <pc:docMk/>
+          <pc:sldMk cId="0" sldId="280"/>
+        </pc:sldMkLst>
+      </pc:sldChg>
+      <pc:sldChg chg="add del">
+        <pc:chgData name="Cynthia Enciso" userId="7915927f-c5cf-4e1f-876d-e79882ad52fa" providerId="ADAL" clId="{8559A80B-B25A-4E01-AA5F-31128C7F1561}" dt="2021-05-03T17:11:36.844" v="6" actId="47"/>
+        <pc:sldMkLst>
+          <pc:docMk/>
+          <pc:sldMk cId="1867061762" sldId="281"/>
+        </pc:sldMkLst>
+      </pc:sldChg>
+      <pc:sldChg chg="add del">
+        <pc:chgData name="Cynthia Enciso" userId="7915927f-c5cf-4e1f-876d-e79882ad52fa" providerId="ADAL" clId="{8559A80B-B25A-4E01-AA5F-31128C7F1561}" dt="2021-05-03T17:11:36.844" v="6" actId="47"/>
+        <pc:sldMkLst>
+          <pc:docMk/>
+          <pc:sldMk cId="3470556626" sldId="282"/>
+        </pc:sldMkLst>
+      </pc:sldChg>
+      <pc:sldChg chg="add">
+        <pc:chgData name="Cynthia Enciso" userId="7915927f-c5cf-4e1f-876d-e79882ad52fa" providerId="ADAL" clId="{8559A80B-B25A-4E01-AA5F-31128C7F1561}" dt="2021-05-03T20:17:37.838" v="476"/>
+        <pc:sldMkLst>
+          <pc:docMk/>
+          <pc:sldMk cId="2320720555" sldId="283"/>
+        </pc:sldMkLst>
+      </pc:sldChg>
+      <pc:sldChg chg="add">
+        <pc:chgData name="Cynthia Enciso" userId="7915927f-c5cf-4e1f-876d-e79882ad52fa" providerId="ADAL" clId="{8559A80B-B25A-4E01-AA5F-31128C7F1561}" dt="2021-05-03T20:18:30.749" v="477"/>
+        <pc:sldMkLst>
+          <pc:docMk/>
+          <pc:sldMk cId="1104934171" sldId="284"/>
+        </pc:sldMkLst>
+      </pc:sldChg>
+      <pc:sldMasterChg chg="addSldLayout delSldLayout">
+        <pc:chgData name="Cynthia Enciso" userId="7915927f-c5cf-4e1f-876d-e79882ad52fa" providerId="ADAL" clId="{8559A80B-B25A-4E01-AA5F-31128C7F1561}" dt="2021-05-03T17:11:36.844" v="6" actId="47"/>
+        <pc:sldMasterMkLst>
+          <pc:docMk/>
+          <pc:sldMasterMk cId="0" sldId="2147483661"/>
+        </pc:sldMasterMkLst>
+        <pc:sldLayoutChg chg="add del">
+          <pc:chgData name="Cynthia Enciso" userId="7915927f-c5cf-4e1f-876d-e79882ad52fa" providerId="ADAL" clId="{8559A80B-B25A-4E01-AA5F-31128C7F1561}" dt="2021-05-03T17:11:36.844" v="6" actId="47"/>
+          <pc:sldLayoutMkLst>
+            <pc:docMk/>
+            <pc:sldMasterMk cId="0" sldId="2147483661"/>
+            <pc:sldLayoutMk cId="0" sldId="2147483655"/>
+          </pc:sldLayoutMkLst>
+        </pc:sldLayoutChg>
+      </pc:sldMasterChg>
+    </pc:docChg>
+  </pc:docChgLst>
+  <pc:docChgLst>
+    <pc:chgData name="Cynthia Enciso" userId="7915927f-c5cf-4e1f-876d-e79882ad52fa" providerId="ADAL" clId="{74916844-B1A9-4A47-BFD9-CAAF2864A3CC}"/>
+    <pc:docChg chg="undo custSel addSld delSld modSld sldOrd">
+      <pc:chgData name="Cynthia Enciso" userId="7915927f-c5cf-4e1f-876d-e79882ad52fa" providerId="ADAL" clId="{74916844-B1A9-4A47-BFD9-CAAF2864A3CC}" dt="2022-03-28T22:02:01.741" v="170" actId="20577"/>
+      <pc:docMkLst>
+        <pc:docMk/>
+      </pc:docMkLst>
+      <pc:sldChg chg="modSp modAnim">
+        <pc:chgData name="Cynthia Enciso" userId="7915927f-c5cf-4e1f-876d-e79882ad52fa" providerId="ADAL" clId="{74916844-B1A9-4A47-BFD9-CAAF2864A3CC}" dt="2022-03-28T21:46:40.230" v="169" actId="20577"/>
+        <pc:sldMkLst>
+          <pc:docMk/>
+          <pc:sldMk cId="0" sldId="280"/>
+        </pc:sldMkLst>
+        <pc:spChg chg="mod">
+          <ac:chgData name="Cynthia Enciso" userId="7915927f-c5cf-4e1f-876d-e79882ad52fa" providerId="ADAL" clId="{74916844-B1A9-4A47-BFD9-CAAF2864A3CC}" dt="2022-03-28T21:46:40.230" v="169" actId="20577"/>
+          <ac:spMkLst>
+            <pc:docMk/>
+            <pc:sldMk cId="0" sldId="280"/>
+            <ac:spMk id="225" creationId="{00000000-0000-0000-0000-000000000000}"/>
+          </ac:spMkLst>
+        </pc:spChg>
+      </pc:sldChg>
+      <pc:sldChg chg="modSp mod">
+        <pc:chgData name="Cynthia Enciso" userId="7915927f-c5cf-4e1f-876d-e79882ad52fa" providerId="ADAL" clId="{74916844-B1A9-4A47-BFD9-CAAF2864A3CC}" dt="2022-03-28T22:02:01.741" v="170" actId="20577"/>
+        <pc:sldMkLst>
+          <pc:docMk/>
+          <pc:sldMk cId="1104934171" sldId="284"/>
+        </pc:sldMkLst>
+        <pc:spChg chg="mod">
+          <ac:chgData name="Cynthia Enciso" userId="7915927f-c5cf-4e1f-876d-e79882ad52fa" providerId="ADAL" clId="{74916844-B1A9-4A47-BFD9-CAAF2864A3CC}" dt="2022-03-28T22:02:01.741" v="170" actId="20577"/>
+          <ac:spMkLst>
+            <pc:docMk/>
+            <pc:sldMk cId="1104934171" sldId="284"/>
+            <ac:spMk id="3" creationId="{91F5DC43-911C-4E53-95FC-06FD90F09716}"/>
+          </ac:spMkLst>
+        </pc:spChg>
+      </pc:sldChg>
+      <pc:sldChg chg="modSp new del mod ord">
+        <pc:chgData name="Cynthia Enciso" userId="7915927f-c5cf-4e1f-876d-e79882ad52fa" providerId="ADAL" clId="{74916844-B1A9-4A47-BFD9-CAAF2864A3CC}" dt="2022-02-28T22:05:07.550" v="158" actId="47"/>
+        <pc:sldMkLst>
+          <pc:docMk/>
+          <pc:sldMk cId="3035923925" sldId="306"/>
+        </pc:sldMkLst>
+        <pc:spChg chg="mod">
+          <ac:chgData name="Cynthia Enciso" userId="7915927f-c5cf-4e1f-876d-e79882ad52fa" providerId="ADAL" clId="{74916844-B1A9-4A47-BFD9-CAAF2864A3CC}" dt="2022-02-28T21:01:17.395" v="26" actId="20577"/>
+          <ac:spMkLst>
+            <pc:docMk/>
+            <pc:sldMk cId="3035923925" sldId="306"/>
+            <ac:spMk id="3" creationId="{86303AFF-14AE-42CE-B3FD-58257BBE26D1}"/>
+          </ac:spMkLst>
+        </pc:spChg>
+        <pc:spChg chg="mod">
+          <ac:chgData name="Cynthia Enciso" userId="7915927f-c5cf-4e1f-876d-e79882ad52fa" providerId="ADAL" clId="{74916844-B1A9-4A47-BFD9-CAAF2864A3CC}" dt="2022-02-28T21:20:17.721" v="157" actId="20577"/>
+          <ac:spMkLst>
+            <pc:docMk/>
+            <pc:sldMk cId="3035923925" sldId="306"/>
+            <ac:spMk id="4" creationId="{CEBA2153-12CD-4B81-885E-24CC75C69B4B}"/>
+          </ac:spMkLst>
+        </pc:spChg>
       </pc:sldChg>
     </pc:docChg>
   </pc:docChgLst>
@@ -34889,16 +34951,16 @@
           <a:lstStyle/>
           <a:p>
             <a:r>
-              <a:rPr lang="en-US" sz="2400"/>
+              <a:rPr lang="en-US" sz="2400" dirty="0"/>
               <a:t>For our purposes though you can simply select </a:t>
             </a:r>
             <a:r>
-              <a:rPr lang="en-US" sz="2400" i="1"/>
+              <a:rPr lang="en-US" sz="2400" i="1" dirty="0"/>
               <a:t>Don’t Create</a:t>
             </a:r>
           </a:p>
           <a:p>
-            <a:endParaRPr lang="en-US"/>
+            <a:endParaRPr lang="en-US" dirty="0"/>
           </a:p>
         </p:txBody>
       </p:sp>
@@ -39357,7 +39419,7 @@
                   <a:srgbClr val="00FFFF"/>
                 </a:highlight>
               </a:rPr>
-              <a:t>Add</a:t>
+              <a:t>add</a:t>
             </a:r>
             <a:r>
               <a:rPr lang="en-US" sz="2000" dirty="0"/>
@@ -39410,83 +39472,6 @@
             <a:r>
               <a:rPr lang="en-US" sz="2000" i="1" dirty="0"/>
               <a:t>	return num1 + num2;</a:t>
-            </a:r>
-          </a:p>
-          <a:p>
-            <a:pPr marL="457200" lvl="1" indent="0">
-              <a:lnSpc>
-                <a:spcPct val="90000"/>
-              </a:lnSpc>
-              <a:buNone/>
-            </a:pPr>
-            <a:r>
-              <a:rPr lang="en-US" sz="2000" dirty="0"/>
-              <a:t>}</a:t>
-            </a:r>
-          </a:p>
-          <a:p>
-            <a:pPr marL="457200" lvl="1" indent="0">
-              <a:lnSpc>
-                <a:spcPct val="90000"/>
-              </a:lnSpc>
-              <a:buNone/>
-            </a:pPr>
-            <a:endParaRPr lang="en-US" sz="2000" dirty="0"/>
-          </a:p>
-          <a:p>
-            <a:pPr marL="457200" lvl="1" indent="0">
-              <a:lnSpc>
-                <a:spcPct val="90000"/>
-              </a:lnSpc>
-              <a:buNone/>
-            </a:pPr>
-            <a:r>
-              <a:rPr lang="en-US" sz="2000" dirty="0">
-                <a:highlight>
-                  <a:srgbClr val="FFFF00"/>
-                </a:highlight>
-              </a:rPr>
-              <a:t>public</a:t>
-            </a:r>
-            <a:r>
-              <a:rPr lang="en-US" sz="2000" dirty="0"/>
-              <a:t> </a:t>
-            </a:r>
-            <a:r>
-              <a:rPr lang="en-US" sz="2000" dirty="0">
-                <a:highlight>
-                  <a:srgbClr val="FF00FF"/>
-                </a:highlight>
-              </a:rPr>
-              <a:t>String</a:t>
-            </a:r>
-            <a:r>
-              <a:rPr lang="en-US" sz="2000" dirty="0"/>
-              <a:t> </a:t>
-            </a:r>
-            <a:r>
-              <a:rPr lang="en-US" sz="2000" dirty="0">
-                <a:highlight>
-                  <a:srgbClr val="00FFFF"/>
-                </a:highlight>
-              </a:rPr>
-              <a:t>print</a:t>
-            </a:r>
-            <a:r>
-              <a:rPr lang="en-US" sz="2000" dirty="0"/>
-              <a:t> () {</a:t>
-            </a:r>
-          </a:p>
-          <a:p>
-            <a:pPr marL="457200" lvl="1" indent="0">
-              <a:lnSpc>
-                <a:spcPct val="90000"/>
-              </a:lnSpc>
-              <a:buNone/>
-            </a:pPr>
-            <a:r>
-              <a:rPr lang="en-US" sz="2000" i="1" dirty="0"/>
-              <a:t>	return “Hello There”;</a:t>
             </a:r>
           </a:p>
           <a:p>
@@ -49534,4 +49519,258 @@
   <a:objectDefaults/>
   <a:extraClrSchemeLst/>
 </a:theme>
+</file>
+
+<file path=customXml/item1.xml><?xml version="1.0" encoding="utf-8"?>
+<ct:contentTypeSchema xmlns:ct="http://schemas.microsoft.com/office/2006/metadata/contentType" xmlns:ma="http://schemas.microsoft.com/office/2006/metadata/properties/metaAttributes" ct:_="" ma:_="" ma:contentTypeName="Document" ma:contentTypeID="0x0101008BD2F010722D7D4D902378845F41F1B2" ma:contentTypeVersion="13" ma:contentTypeDescription="Create a new document." ma:contentTypeScope="" ma:versionID="b68d56871977609000cd171c9412956f">
+  <xsd:schema xmlns:xsd="http://www.w3.org/2001/XMLSchema" xmlns:xs="http://www.w3.org/2001/XMLSchema" xmlns:p="http://schemas.microsoft.com/office/2006/metadata/properties" xmlns:ns2="16399201-8c70-4094-bedf-0e0052933be2" xmlns:ns3="c1d1d668-1a17-41cc-8e51-02c957e8f86c" targetNamespace="http://schemas.microsoft.com/office/2006/metadata/properties" ma:root="true" ma:fieldsID="8d4e77ac156dfa649f0a05adbe1f888e" ns2:_="" ns3:_="">
+    <xsd:import namespace="16399201-8c70-4094-bedf-0e0052933be2"/>
+    <xsd:import namespace="c1d1d668-1a17-41cc-8e51-02c957e8f86c"/>
+    <xsd:element name="properties">
+      <xsd:complexType>
+        <xsd:sequence>
+          <xsd:element name="documentManagement">
+            <xsd:complexType>
+              <xsd:all>
+                <xsd:element ref="ns2:MediaServiceMetadata" minOccurs="0"/>
+                <xsd:element ref="ns2:MediaServiceFastMetadata" minOccurs="0"/>
+                <xsd:element ref="ns2:MediaServiceAutoTags" minOccurs="0"/>
+                <xsd:element ref="ns2:MediaServiceGenerationTime" minOccurs="0"/>
+                <xsd:element ref="ns2:MediaServiceEventHashCode" minOccurs="0"/>
+                <xsd:element ref="ns2:MediaServiceOCR" minOccurs="0"/>
+                <xsd:element ref="ns2:MediaServiceDateTaken" minOccurs="0"/>
+                <xsd:element ref="ns3:SharedWithUsers" minOccurs="0"/>
+                <xsd:element ref="ns3:SharedWithDetails" minOccurs="0"/>
+                <xsd:element ref="ns2:MediaServiceAutoKeyPoints" minOccurs="0"/>
+                <xsd:element ref="ns2:MediaServiceKeyPoints" minOccurs="0"/>
+                <xsd:element ref="ns2:MediaLengthInSeconds" minOccurs="0"/>
+                <xsd:element ref="ns2:Details" minOccurs="0"/>
+              </xsd:all>
+            </xsd:complexType>
+          </xsd:element>
+        </xsd:sequence>
+      </xsd:complexType>
+    </xsd:element>
+  </xsd:schema>
+  <xsd:schema xmlns:xsd="http://www.w3.org/2001/XMLSchema" xmlns:xs="http://www.w3.org/2001/XMLSchema" xmlns:dms="http://schemas.microsoft.com/office/2006/documentManagement/types" xmlns:pc="http://schemas.microsoft.com/office/infopath/2007/PartnerControls" targetNamespace="16399201-8c70-4094-bedf-0e0052933be2" elementFormDefault="qualified">
+    <xsd:import namespace="http://schemas.microsoft.com/office/2006/documentManagement/types"/>
+    <xsd:import namespace="http://schemas.microsoft.com/office/infopath/2007/PartnerControls"/>
+    <xsd:element name="MediaServiceMetadata" ma:index="8" nillable="true" ma:displayName="MediaServiceMetadata" ma:hidden="true" ma:internalName="MediaServiceMetadata" ma:readOnly="true">
+      <xsd:simpleType>
+        <xsd:restriction base="dms:Note"/>
+      </xsd:simpleType>
+    </xsd:element>
+    <xsd:element name="MediaServiceFastMetadata" ma:index="9" nillable="true" ma:displayName="MediaServiceFastMetadata" ma:hidden="true" ma:internalName="MediaServiceFastMetadata" ma:readOnly="true">
+      <xsd:simpleType>
+        <xsd:restriction base="dms:Note"/>
+      </xsd:simpleType>
+    </xsd:element>
+    <xsd:element name="MediaServiceAutoTags" ma:index="10" nillable="true" ma:displayName="Tags" ma:internalName="MediaServiceAutoTags" ma:readOnly="true">
+      <xsd:simpleType>
+        <xsd:restriction base="dms:Text"/>
+      </xsd:simpleType>
+    </xsd:element>
+    <xsd:element name="MediaServiceGenerationTime" ma:index="11" nillable="true" ma:displayName="MediaServiceGenerationTime" ma:hidden="true" ma:internalName="MediaServiceGenerationTime" ma:readOnly="true">
+      <xsd:simpleType>
+        <xsd:restriction base="dms:Text"/>
+      </xsd:simpleType>
+    </xsd:element>
+    <xsd:element name="MediaServiceEventHashCode" ma:index="12" nillable="true" ma:displayName="MediaServiceEventHashCode" ma:hidden="true" ma:internalName="MediaServiceEventHashCode" ma:readOnly="true">
+      <xsd:simpleType>
+        <xsd:restriction base="dms:Text"/>
+      </xsd:simpleType>
+    </xsd:element>
+    <xsd:element name="MediaServiceOCR" ma:index="13" nillable="true" ma:displayName="Extracted Text" ma:internalName="MediaServiceOCR" ma:readOnly="true">
+      <xsd:simpleType>
+        <xsd:restriction base="dms:Note">
+          <xsd:maxLength value="255"/>
+        </xsd:restriction>
+      </xsd:simpleType>
+    </xsd:element>
+    <xsd:element name="MediaServiceDateTaken" ma:index="14" nillable="true" ma:displayName="MediaServiceDateTaken" ma:hidden="true" ma:internalName="MediaServiceDateTaken" ma:readOnly="true">
+      <xsd:simpleType>
+        <xsd:restriction base="dms:Text"/>
+      </xsd:simpleType>
+    </xsd:element>
+    <xsd:element name="MediaServiceAutoKeyPoints" ma:index="17" nillable="true" ma:displayName="MediaServiceAutoKeyPoints" ma:hidden="true" ma:internalName="MediaServiceAutoKeyPoints" ma:readOnly="true">
+      <xsd:simpleType>
+        <xsd:restriction base="dms:Note"/>
+      </xsd:simpleType>
+    </xsd:element>
+    <xsd:element name="MediaServiceKeyPoints" ma:index="18" nillable="true" ma:displayName="KeyPoints" ma:internalName="MediaServiceKeyPoints" ma:readOnly="true">
+      <xsd:simpleType>
+        <xsd:restriction base="dms:Note">
+          <xsd:maxLength value="255"/>
+        </xsd:restriction>
+      </xsd:simpleType>
+    </xsd:element>
+    <xsd:element name="MediaLengthInSeconds" ma:index="19" nillable="true" ma:displayName="Length (seconds)" ma:internalName="MediaLengthInSeconds" ma:readOnly="true">
+      <xsd:simpleType>
+        <xsd:restriction base="dms:Unknown"/>
+      </xsd:simpleType>
+    </xsd:element>
+    <xsd:element name="Details" ma:index="20" nillable="true" ma:displayName="Details" ma:format="Dropdown" ma:internalName="Details">
+      <xsd:simpleType>
+        <xsd:restriction base="dms:Text">
+          <xsd:maxLength value="255"/>
+        </xsd:restriction>
+      </xsd:simpleType>
+    </xsd:element>
+  </xsd:schema>
+  <xsd:schema xmlns:xsd="http://www.w3.org/2001/XMLSchema" xmlns:xs="http://www.w3.org/2001/XMLSchema" xmlns:dms="http://schemas.microsoft.com/office/2006/documentManagement/types" xmlns:pc="http://schemas.microsoft.com/office/infopath/2007/PartnerControls" targetNamespace="c1d1d668-1a17-41cc-8e51-02c957e8f86c" elementFormDefault="qualified">
+    <xsd:import namespace="http://schemas.microsoft.com/office/2006/documentManagement/types"/>
+    <xsd:import namespace="http://schemas.microsoft.com/office/infopath/2007/PartnerControls"/>
+    <xsd:element name="SharedWithUsers" ma:index="15" nillable="true" ma:displayName="Shared With" ma:internalName="SharedWithUsers" ma:readOnly="true">
+      <xsd:complexType>
+        <xsd:complexContent>
+          <xsd:extension base="dms:UserMulti">
+            <xsd:sequence>
+              <xsd:element name="UserInfo" minOccurs="0" maxOccurs="unbounded">
+                <xsd:complexType>
+                  <xsd:sequence>
+                    <xsd:element name="DisplayName" type="xsd:string" minOccurs="0"/>
+                    <xsd:element name="AccountId" type="dms:UserId" minOccurs="0" nillable="true"/>
+                    <xsd:element name="AccountType" type="xsd:string" minOccurs="0"/>
+                  </xsd:sequence>
+                </xsd:complexType>
+              </xsd:element>
+            </xsd:sequence>
+          </xsd:extension>
+        </xsd:complexContent>
+      </xsd:complexType>
+    </xsd:element>
+    <xsd:element name="SharedWithDetails" ma:index="16" nillable="true" ma:displayName="Shared With Details" ma:internalName="SharedWithDetails" ma:readOnly="true">
+      <xsd:simpleType>
+        <xsd:restriction base="dms:Note">
+          <xsd:maxLength value="255"/>
+        </xsd:restriction>
+      </xsd:simpleType>
+    </xsd:element>
+  </xsd:schema>
+  <xsd:schema xmlns="http://schemas.openxmlformats.org/package/2006/metadata/core-properties" xmlns:xsd="http://www.w3.org/2001/XMLSchema" xmlns:xsi="http://www.w3.org/2001/XMLSchema-instance" xmlns:dc="http://purl.org/dc/elements/1.1/" xmlns:dcterms="http://purl.org/dc/terms/" xmlns:odoc="http://schemas.microsoft.com/internal/obd" targetNamespace="http://schemas.openxmlformats.org/package/2006/metadata/core-properties" elementFormDefault="qualified" attributeFormDefault="unqualified" blockDefault="#all">
+    <xsd:import namespace="http://purl.org/dc/elements/1.1/" schemaLocation="http://dublincore.org/schemas/xmls/qdc/2003/04/02/dc.xsd"/>
+    <xsd:import namespace="http://purl.org/dc/terms/" schemaLocation="http://dublincore.org/schemas/xmls/qdc/2003/04/02/dcterms.xsd"/>
+    <xsd:element name="coreProperties" type="CT_coreProperties"/>
+    <xsd:complexType name="CT_coreProperties">
+      <xsd:all>
+        <xsd:element ref="dc:creator" minOccurs="0" maxOccurs="1"/>
+        <xsd:element ref="dcterms:created" minOccurs="0" maxOccurs="1"/>
+        <xsd:element ref="dc:identifier" minOccurs="0" maxOccurs="1"/>
+        <xsd:element name="contentType" minOccurs="0" maxOccurs="1" type="xsd:string" ma:index="0" ma:displayName="Content Type"/>
+        <xsd:element ref="dc:title" minOccurs="0" maxOccurs="1" ma:index="4" ma:displayName="Title"/>
+        <xsd:element ref="dc:subject" minOccurs="0" maxOccurs="1"/>
+        <xsd:element ref="dc:description" minOccurs="0" maxOccurs="1"/>
+        <xsd:element name="keywords" minOccurs="0" maxOccurs="1" type="xsd:string"/>
+        <xsd:element ref="dc:language" minOccurs="0" maxOccurs="1"/>
+        <xsd:element name="category" minOccurs="0" maxOccurs="1" type="xsd:string"/>
+        <xsd:element name="version" minOccurs="0" maxOccurs="1" type="xsd:string"/>
+        <xsd:element name="revision" minOccurs="0" maxOccurs="1" type="xsd:string">
+          <xsd:annotation>
+            <xsd:documentation>
+                        This value indicates the number of saves or revisions. The application is responsible for updating this value after each revision.
+                    </xsd:documentation>
+          </xsd:annotation>
+        </xsd:element>
+        <xsd:element name="lastModifiedBy" minOccurs="0" maxOccurs="1" type="xsd:string"/>
+        <xsd:element ref="dcterms:modified" minOccurs="0" maxOccurs="1"/>
+        <xsd:element name="contentStatus" minOccurs="0" maxOccurs="1" type="xsd:string"/>
+      </xsd:all>
+    </xsd:complexType>
+  </xsd:schema>
+  <xs:schema xmlns:pc="http://schemas.microsoft.com/office/infopath/2007/PartnerControls" xmlns:xs="http://www.w3.org/2001/XMLSchema" targetNamespace="http://schemas.microsoft.com/office/infopath/2007/PartnerControls" elementFormDefault="qualified" attributeFormDefault="unqualified">
+    <xs:element name="Person">
+      <xs:complexType>
+        <xs:sequence>
+          <xs:element ref="pc:DisplayName" minOccurs="0"/>
+          <xs:element ref="pc:AccountId" minOccurs="0"/>
+          <xs:element ref="pc:AccountType" minOccurs="0"/>
+        </xs:sequence>
+      </xs:complexType>
+    </xs:element>
+    <xs:element name="DisplayName" type="xs:string"/>
+    <xs:element name="AccountId" type="xs:string"/>
+    <xs:element name="AccountType" type="xs:string"/>
+    <xs:element name="BDCAssociatedEntity">
+      <xs:complexType>
+        <xs:sequence>
+          <xs:element ref="pc:BDCEntity" minOccurs="0" maxOccurs="unbounded"/>
+        </xs:sequence>
+        <xs:attribute ref="pc:EntityNamespace"/>
+        <xs:attribute ref="pc:EntityName"/>
+        <xs:attribute ref="pc:SystemInstanceName"/>
+        <xs:attribute ref="pc:AssociationName"/>
+      </xs:complexType>
+    </xs:element>
+    <xs:attribute name="EntityNamespace" type="xs:string"/>
+    <xs:attribute name="EntityName" type="xs:string"/>
+    <xs:attribute name="SystemInstanceName" type="xs:string"/>
+    <xs:attribute name="AssociationName" type="xs:string"/>
+    <xs:element name="BDCEntity">
+      <xs:complexType>
+        <xs:sequence>
+          <xs:element ref="pc:EntityDisplayName" minOccurs="0"/>
+          <xs:element ref="pc:EntityInstanceReference" minOccurs="0"/>
+          <xs:element ref="pc:EntityId1" minOccurs="0"/>
+          <xs:element ref="pc:EntityId2" minOccurs="0"/>
+          <xs:element ref="pc:EntityId3" minOccurs="0"/>
+          <xs:element ref="pc:EntityId4" minOccurs="0"/>
+          <xs:element ref="pc:EntityId5" minOccurs="0"/>
+        </xs:sequence>
+      </xs:complexType>
+    </xs:element>
+    <xs:element name="EntityDisplayName" type="xs:string"/>
+    <xs:element name="EntityInstanceReference" type="xs:string"/>
+    <xs:element name="EntityId1" type="xs:string"/>
+    <xs:element name="EntityId2" type="xs:string"/>
+    <xs:element name="EntityId3" type="xs:string"/>
+    <xs:element name="EntityId4" type="xs:string"/>
+    <xs:element name="EntityId5" type="xs:string"/>
+    <xs:element name="Terms">
+      <xs:complexType>
+        <xs:sequence>
+          <xs:element ref="pc:TermInfo" minOccurs="0" maxOccurs="unbounded"/>
+        </xs:sequence>
+      </xs:complexType>
+    </xs:element>
+    <xs:element name="TermInfo">
+      <xs:complexType>
+        <xs:sequence>
+          <xs:element ref="pc:TermName" minOccurs="0"/>
+          <xs:element ref="pc:TermId" minOccurs="0"/>
+        </xs:sequence>
+      </xs:complexType>
+    </xs:element>
+    <xs:element name="TermName" type="xs:string"/>
+    <xs:element name="TermId" type="xs:string"/>
+  </xs:schema>
+</ct:contentTypeSchema>
+</file>
+
+<file path=customXml/item2.xml><?xml version="1.0" encoding="utf-8"?>
+<?mso-contentType ?>
+<FormTemplates xmlns="http://schemas.microsoft.com/sharepoint/v3/contenttype/forms">
+  <Display>DocumentLibraryForm</Display>
+  <Edit>DocumentLibraryForm</Edit>
+  <New>DocumentLibraryForm</New>
+</FormTemplates>
+</file>
+
+<file path=customXml/item3.xml><?xml version="1.0" encoding="utf-8"?>
+<p:properties xmlns:p="http://schemas.microsoft.com/office/2006/metadata/properties" xmlns:xsi="http://www.w3.org/2001/XMLSchema-instance" xmlns:pc="http://schemas.microsoft.com/office/infopath/2007/PartnerControls">
+  <documentManagement>
+    <Details xmlns="16399201-8c70-4094-bedf-0e0052933be2" xsi:nil="true"/>
+  </documentManagement>
+</p:properties>
+</file>
+
+<file path=customXml/itemProps1.xml><?xml version="1.0" encoding="utf-8"?>
+<ds:datastoreItem xmlns:ds="http://schemas.openxmlformats.org/officeDocument/2006/customXml" ds:itemID="{3D0191BD-5F3E-4AAE-89A1-AF781017B0E0}"/>
+</file>
+
+<file path=customXml/itemProps2.xml><?xml version="1.0" encoding="utf-8"?>
+<ds:datastoreItem xmlns:ds="http://schemas.openxmlformats.org/officeDocument/2006/customXml" ds:itemID="{4986FA67-05A8-4D03-B5D5-4146E8A26A93}"/>
+</file>
+
+<file path=customXml/itemProps3.xml><?xml version="1.0" encoding="utf-8"?>
+<ds:datastoreItem xmlns:ds="http://schemas.openxmlformats.org/officeDocument/2006/customXml" ds:itemID="{F9791E00-0506-49D2-B720-68B0EA5B6E48}"/>
 </file>